--- a/Grid Network Experienments 2.pptx
+++ b/Grid Network Experienments 2.pptx
@@ -5,13 +5,18 @@
     <p:sldMasterId id="2147483648" r:id="rId1"/>
   </p:sldMasterIdLst>
   <p:notesMasterIdLst>
-    <p:notesMasterId r:id="rId6"/>
+    <p:notesMasterId r:id="rId11"/>
   </p:notesMasterIdLst>
   <p:sldIdLst>
     <p:sldId id="256" r:id="rId2"/>
     <p:sldId id="269" r:id="rId3"/>
     <p:sldId id="271" r:id="rId4"/>
-    <p:sldId id="272" r:id="rId5"/>
+    <p:sldId id="274" r:id="rId5"/>
+    <p:sldId id="275" r:id="rId6"/>
+    <p:sldId id="276" r:id="rId7"/>
+    <p:sldId id="272" r:id="rId8"/>
+    <p:sldId id="278" r:id="rId9"/>
+    <p:sldId id="279" r:id="rId10"/>
   </p:sldIdLst>
   <p:sldSz cx="12192000" cy="6858000"/>
   <p:notesSz cx="6858000" cy="9144000"/>
@@ -200,7 +205,7 @@
           <a:p>
             <a:fld id="{C474165D-EA76-B843-BA22-125360274E71}" type="datetimeFigureOut">
               <a:rPr kumimoji="1" lang="zh-CN" altLang="en-US" smtClean="0"/>
-              <a:t>2021/9/29</a:t>
+              <a:t>2021/10/4</a:t>
             </a:fld>
             <a:endParaRPr kumimoji="1" lang="zh-CN" altLang="en-US"/>
           </a:p>
@@ -614,7 +619,7 @@
           <a:p>
             <a:fld id="{9E0703CF-013D-2742-B85D-75367043BA56}" type="datetimeFigureOut">
               <a:rPr kumimoji="1" lang="zh-CN" altLang="en-US" smtClean="0"/>
-              <a:t>2021/9/29</a:t>
+              <a:t>2021/10/4</a:t>
             </a:fld>
             <a:endParaRPr kumimoji="1" lang="zh-CN" altLang="en-US"/>
           </a:p>
@@ -812,7 +817,7 @@
           <a:p>
             <a:fld id="{9E0703CF-013D-2742-B85D-75367043BA56}" type="datetimeFigureOut">
               <a:rPr kumimoji="1" lang="zh-CN" altLang="en-US" smtClean="0"/>
-              <a:t>2021/9/29</a:t>
+              <a:t>2021/10/4</a:t>
             </a:fld>
             <a:endParaRPr kumimoji="1" lang="zh-CN" altLang="en-US"/>
           </a:p>
@@ -1020,7 +1025,7 @@
           <a:p>
             <a:fld id="{9E0703CF-013D-2742-B85D-75367043BA56}" type="datetimeFigureOut">
               <a:rPr kumimoji="1" lang="zh-CN" altLang="en-US" smtClean="0"/>
-              <a:t>2021/9/29</a:t>
+              <a:t>2021/10/4</a:t>
             </a:fld>
             <a:endParaRPr kumimoji="1" lang="zh-CN" altLang="en-US"/>
           </a:p>
@@ -1218,7 +1223,7 @@
           <a:p>
             <a:fld id="{9E0703CF-013D-2742-B85D-75367043BA56}" type="datetimeFigureOut">
               <a:rPr kumimoji="1" lang="zh-CN" altLang="en-US" smtClean="0"/>
-              <a:t>2021/9/29</a:t>
+              <a:t>2021/10/4</a:t>
             </a:fld>
             <a:endParaRPr kumimoji="1" lang="zh-CN" altLang="en-US"/>
           </a:p>
@@ -1493,7 +1498,7 @@
           <a:p>
             <a:fld id="{9E0703CF-013D-2742-B85D-75367043BA56}" type="datetimeFigureOut">
               <a:rPr kumimoji="1" lang="zh-CN" altLang="en-US" smtClean="0"/>
-              <a:t>2021/9/29</a:t>
+              <a:t>2021/10/4</a:t>
             </a:fld>
             <a:endParaRPr kumimoji="1" lang="zh-CN" altLang="en-US"/>
           </a:p>
@@ -1758,7 +1763,7 @@
           <a:p>
             <a:fld id="{9E0703CF-013D-2742-B85D-75367043BA56}" type="datetimeFigureOut">
               <a:rPr kumimoji="1" lang="zh-CN" altLang="en-US" smtClean="0"/>
-              <a:t>2021/9/29</a:t>
+              <a:t>2021/10/4</a:t>
             </a:fld>
             <a:endParaRPr kumimoji="1" lang="zh-CN" altLang="en-US"/>
           </a:p>
@@ -2170,7 +2175,7 @@
           <a:p>
             <a:fld id="{9E0703CF-013D-2742-B85D-75367043BA56}" type="datetimeFigureOut">
               <a:rPr kumimoji="1" lang="zh-CN" altLang="en-US" smtClean="0"/>
-              <a:t>2021/9/29</a:t>
+              <a:t>2021/10/4</a:t>
             </a:fld>
             <a:endParaRPr kumimoji="1" lang="zh-CN" altLang="en-US"/>
           </a:p>
@@ -2311,7 +2316,7 @@
           <a:p>
             <a:fld id="{9E0703CF-013D-2742-B85D-75367043BA56}" type="datetimeFigureOut">
               <a:rPr kumimoji="1" lang="zh-CN" altLang="en-US" smtClean="0"/>
-              <a:t>2021/9/29</a:t>
+              <a:t>2021/10/4</a:t>
             </a:fld>
             <a:endParaRPr kumimoji="1" lang="zh-CN" altLang="en-US"/>
           </a:p>
@@ -2424,7 +2429,7 @@
           <a:p>
             <a:fld id="{9E0703CF-013D-2742-B85D-75367043BA56}" type="datetimeFigureOut">
               <a:rPr kumimoji="1" lang="zh-CN" altLang="en-US" smtClean="0"/>
-              <a:t>2021/9/29</a:t>
+              <a:t>2021/10/4</a:t>
             </a:fld>
             <a:endParaRPr kumimoji="1" lang="zh-CN" altLang="en-US"/>
           </a:p>
@@ -2735,7 +2740,7 @@
           <a:p>
             <a:fld id="{9E0703CF-013D-2742-B85D-75367043BA56}" type="datetimeFigureOut">
               <a:rPr kumimoji="1" lang="zh-CN" altLang="en-US" smtClean="0"/>
-              <a:t>2021/9/29</a:t>
+              <a:t>2021/10/4</a:t>
             </a:fld>
             <a:endParaRPr kumimoji="1" lang="zh-CN" altLang="en-US"/>
           </a:p>
@@ -3023,7 +3028,7 @@
           <a:p>
             <a:fld id="{9E0703CF-013D-2742-B85D-75367043BA56}" type="datetimeFigureOut">
               <a:rPr kumimoji="1" lang="zh-CN" altLang="en-US" smtClean="0"/>
-              <a:t>2021/9/29</a:t>
+              <a:t>2021/10/4</a:t>
             </a:fld>
             <a:endParaRPr kumimoji="1" lang="zh-CN" altLang="en-US"/>
           </a:p>
@@ -3264,7 +3269,7 @@
           <a:p>
             <a:fld id="{9E0703CF-013D-2742-B85D-75367043BA56}" type="datetimeFigureOut">
               <a:rPr kumimoji="1" lang="zh-CN" altLang="en-US" smtClean="0"/>
-              <a:t>2021/9/29</a:t>
+              <a:t>2021/10/4</a:t>
             </a:fld>
             <a:endParaRPr kumimoji="1" lang="zh-CN" altLang="en-US"/>
           </a:p>
@@ -3747,7 +3752,7 @@
           <a:p>
             <a:fld id="{B4F26AAF-4606-EA46-91F3-16F8CEF58196}" type="datetime1">
               <a:rPr kumimoji="1" lang="zh-CN" altLang="en-US" smtClean="0"/>
-              <a:t>2021/9/29</a:t>
+              <a:t>2021/10/4</a:t>
             </a:fld>
             <a:endParaRPr kumimoji="1" lang="zh-CN" altLang="en-US" dirty="0"/>
           </a:p>
@@ -3935,110 +3940,71 @@
           </a:p>
         </p:txBody>
       </p:sp>
-      <mc:AlternateContent xmlns:mc="http://schemas.openxmlformats.org/markup-compatibility/2006" xmlns:a14="http://schemas.microsoft.com/office/drawing/2010/main">
-        <mc:Choice Requires="a14">
-          <p:sp>
-            <p:nvSpPr>
-              <p:cNvPr id="3" name="内容占位符 2">
-                <a:extLst>
-                  <a:ext uri="{FF2B5EF4-FFF2-40B4-BE49-F238E27FC236}">
-                    <a16:creationId xmlns:a16="http://schemas.microsoft.com/office/drawing/2014/main" id="{D4890FD2-9705-9F40-A0D8-38C5F7AC14E4}"/>
-                  </a:ext>
-                </a:extLst>
-              </p:cNvPr>
-              <p:cNvSpPr>
-                <a:spLocks noGrp="1"/>
-              </p:cNvSpPr>
-              <p:nvPr>
-                <p:ph sz="half" idx="1"/>
-              </p:nvPr>
-            </p:nvSpPr>
-            <p:spPr/>
-            <p:txBody>
-              <a:bodyPr/>
-              <a:lstStyle/>
-              <a:p>
-                <a:r>
-                  <a:rPr kumimoji="1" lang="en-US" altLang="zh-CN"/>
-                  <a:t>Time of step 0: 127.653s</a:t>
-                </a:r>
-              </a:p>
-              <a:p>
-                <a:r>
-                  <a:rPr kumimoji="1" lang="en-US" altLang="zh-CN"/>
-                  <a:t>Time of step 1: 3.200s</a:t>
-                </a:r>
-              </a:p>
-              <a:p>
-                <a:r>
-                  <a:rPr kumimoji="1" lang="en-US" altLang="zh-CN"/>
-                  <a:t>Number of iterations: 14 (with absolute error </a:t>
-                </a:r>
-                <a14:m>
-                  <m:oMath xmlns:m="http://schemas.openxmlformats.org/officeDocument/2006/math">
-                    <m:r>
-                      <a:rPr kumimoji="1" lang="en-US" altLang="zh-CN" i="1">
-                        <a:latin typeface="Cambria Math" panose="02040503050406030204" pitchFamily="18" charset="0"/>
-                      </a:rPr>
-                      <m:t>𝜖</m:t>
-                    </m:r>
-                    <m:r>
-                      <a:rPr kumimoji="1" lang="en-US" altLang="zh-CN" i="1">
-                        <a:latin typeface="Cambria Math" panose="02040503050406030204" pitchFamily="18" charset="0"/>
-                      </a:rPr>
-                      <m:t>=0.01</m:t>
-                    </m:r>
-                  </m:oMath>
-                </a14:m>
-                <a:r>
-                  <a:rPr kumimoji="1" lang="en-US" altLang="zh-CN"/>
-                  <a:t>)</a:t>
-                </a:r>
-                <a:endParaRPr kumimoji="1" lang="zh-CN" altLang="en-US"/>
-              </a:p>
-            </p:txBody>
-          </p:sp>
-        </mc:Choice>
-        <mc:Fallback xmlns="">
-          <p:sp>
-            <p:nvSpPr>
-              <p:cNvPr id="3" name="内容占位符 2">
-                <a:extLst>
-                  <a:ext uri="{FF2B5EF4-FFF2-40B4-BE49-F238E27FC236}">
-                    <a16:creationId xmlns:a16="http://schemas.microsoft.com/office/drawing/2014/main" id="{D4890FD2-9705-9F40-A0D8-38C5F7AC14E4}"/>
-                  </a:ext>
-                </a:extLst>
-              </p:cNvPr>
-              <p:cNvSpPr>
-                <a:spLocks noGrp="1" noRot="1" noChangeAspect="1" noMove="1" noResize="1" noEditPoints="1" noAdjustHandles="1" noChangeArrowheads="1" noChangeShapeType="1" noTextEdit="1"/>
-              </p:cNvSpPr>
-              <p:nvPr>
-                <p:ph sz="half" idx="1"/>
-              </p:nvPr>
-            </p:nvSpPr>
-            <p:spPr>
-              <a:blipFill>
-                <a:blip r:embed="rId2"/>
-                <a:stretch>
-                  <a:fillRect l="-2200" t="-2326"/>
-                </a:stretch>
-              </a:blipFill>
-            </p:spPr>
-            <p:txBody>
-              <a:bodyPr/>
-              <a:lstStyle/>
-              <a:p>
-                <a:r>
-                  <a:rPr lang="zh-CN" altLang="en-US">
-                    <a:noFill/>
-                  </a:rPr>
-                  <a:t> </a:t>
-                </a:r>
-              </a:p>
-            </p:txBody>
-          </p:sp>
-        </mc:Fallback>
-      </mc:AlternateContent>
+      <p:sp>
+        <p:nvSpPr>
+          <p:cNvPr id="3" name="内容占位符 2">
+            <a:extLst>
+              <a:ext uri="{FF2B5EF4-FFF2-40B4-BE49-F238E27FC236}">
+                <a16:creationId xmlns:a16="http://schemas.microsoft.com/office/drawing/2014/main" id="{D4890FD2-9705-9F40-A0D8-38C5F7AC14E4}"/>
+              </a:ext>
+            </a:extLst>
+          </p:cNvPr>
+          <p:cNvSpPr>
+            <a:spLocks noGrp="1"/>
+          </p:cNvSpPr>
+          <p:nvPr>
+            <p:ph sz="half" idx="1"/>
+          </p:nvPr>
+        </p:nvSpPr>
+        <p:spPr/>
+        <p:txBody>
+          <a:bodyPr/>
+          <a:lstStyle/>
+          <a:p>
+            <a:r>
+              <a:rPr kumimoji="1" lang="en-US" altLang="zh-CN"/>
+              <a:t>Time of step 0: 127.653s</a:t>
+            </a:r>
+          </a:p>
+          <a:p>
+            <a:r>
+              <a:rPr kumimoji="1" lang="en-US" altLang="zh-CN"/>
+              <a:t>Time of step 1: 3.200s</a:t>
+            </a:r>
+          </a:p>
+          <a:p>
+            <a:r>
+              <a:rPr kumimoji="1" lang="en-US" altLang="zh-CN"/>
+              <a:t>Number of iterations: 14 (with absolute error</a:t>
+            </a:r>
+            <a:r>
+              <a:rPr kumimoji="1" lang="zh-CN" altLang="en-US"/>
+              <a:t> </a:t>
+            </a:r>
+            <a:r>
+              <a:rPr kumimoji="1" lang="en-US" altLang="zh-CN"/>
+              <a:t>ε</a:t>
+            </a:r>
+            <a:r>
+              <a:rPr kumimoji="1" lang="zh-CN" altLang="en-US"/>
+              <a:t> </a:t>
+            </a:r>
+            <a:r>
+              <a:rPr kumimoji="1" lang="en-US" altLang="zh-CN"/>
+              <a:t>=</a:t>
+            </a:r>
+            <a:r>
+              <a:rPr kumimoji="1" lang="zh-CN" altLang="en-US"/>
+              <a:t> </a:t>
+            </a:r>
+            <a:r>
+              <a:rPr kumimoji="1" lang="en-US" altLang="zh-CN"/>
+              <a:t>0.01)</a:t>
+            </a:r>
+            <a:endParaRPr kumimoji="1" lang="zh-CN" altLang="en-US"/>
+          </a:p>
+        </p:txBody>
+      </p:sp>
       <p:pic>
         <p:nvPicPr>
           <p:cNvPr id="6" name="内容占位符 5">
@@ -4056,7 +4022,7 @@
           </p:nvPr>
         </p:nvPicPr>
         <p:blipFill>
-          <a:blip r:embed="rId3"/>
+          <a:blip r:embed="rId2"/>
           <a:stretch>
             <a:fillRect/>
           </a:stretch>
@@ -4103,6 +4069,471 @@
           <p:cNvPr id="2" name="标题 1">
             <a:extLst>
               <a:ext uri="{FF2B5EF4-FFF2-40B4-BE49-F238E27FC236}">
+                <a16:creationId xmlns:a16="http://schemas.microsoft.com/office/drawing/2014/main" id="{C0D9670E-8772-DA44-86D8-432F12CA3932}"/>
+              </a:ext>
+            </a:extLst>
+          </p:cNvPr>
+          <p:cNvSpPr>
+            <a:spLocks noGrp="1"/>
+          </p:cNvSpPr>
+          <p:nvPr>
+            <p:ph type="title"/>
+          </p:nvPr>
+        </p:nvSpPr>
+        <p:spPr/>
+        <p:txBody>
+          <a:bodyPr/>
+          <a:lstStyle/>
+          <a:p>
+            <a:r>
+              <a:rPr kumimoji="1" lang="en-US" altLang="zh-CN"/>
+              <a:t>K-means</a:t>
+            </a:r>
+            <a:r>
+              <a:rPr kumimoji="1" lang="zh-CN" altLang="en-US"/>
+              <a:t> </a:t>
+            </a:r>
+            <a:r>
+              <a:rPr kumimoji="1" lang="en-US" altLang="zh-CN"/>
+              <a:t>Clustering</a:t>
+            </a:r>
+            <a:endParaRPr kumimoji="1" lang="zh-CN" altLang="en-US"/>
+          </a:p>
+        </p:txBody>
+      </p:sp>
+      <p:sp>
+        <p:nvSpPr>
+          <p:cNvPr id="3" name="内容占位符 2">
+            <a:extLst>
+              <a:ext uri="{FF2B5EF4-FFF2-40B4-BE49-F238E27FC236}">
+                <a16:creationId xmlns:a16="http://schemas.microsoft.com/office/drawing/2014/main" id="{E40528C6-69E9-B54E-9FB9-90D0E13D9D49}"/>
+              </a:ext>
+            </a:extLst>
+          </p:cNvPr>
+          <p:cNvSpPr>
+            <a:spLocks noGrp="1"/>
+          </p:cNvSpPr>
+          <p:nvPr>
+            <p:ph sz="half" idx="1"/>
+          </p:nvPr>
+        </p:nvSpPr>
+        <p:spPr/>
+        <p:txBody>
+          <a:bodyPr/>
+          <a:lstStyle/>
+          <a:p>
+            <a:pPr marL="514350" indent="-514350">
+              <a:buFont typeface="+mj-lt"/>
+              <a:buAutoNum type="arabicPeriod"/>
+            </a:pPr>
+            <a:r>
+              <a:rPr kumimoji="1" lang="en-US" altLang="zh-CN"/>
+              <a:t>Initialize the center randomly for each cluster.</a:t>
+            </a:r>
+          </a:p>
+          <a:p>
+            <a:pPr marL="514350" indent="-514350">
+              <a:buFont typeface="+mj-lt"/>
+              <a:buAutoNum type="arabicPeriod"/>
+            </a:pPr>
+            <a:r>
+              <a:rPr kumimoji="1" lang="en-US" altLang="zh-CN"/>
+              <a:t>Assign each point to the nearest center.</a:t>
+            </a:r>
+          </a:p>
+          <a:p>
+            <a:pPr marL="514350" indent="-514350">
+              <a:buFont typeface="+mj-lt"/>
+              <a:buAutoNum type="arabicPeriod"/>
+            </a:pPr>
+            <a:r>
+              <a:rPr kumimoji="1" lang="en-US" altLang="zh-CN"/>
+              <a:t>Calculate the </a:t>
+            </a:r>
+            <a:r>
+              <a:rPr kumimoji="1" lang="en-US" altLang="zh-CN" b="1"/>
+              <a:t>means of k clusters</a:t>
+            </a:r>
+            <a:r>
+              <a:rPr kumimoji="1" lang="en-US" altLang="zh-CN"/>
+              <a:t> as its new center.</a:t>
+            </a:r>
+          </a:p>
+          <a:p>
+            <a:pPr marL="514350" indent="-514350">
+              <a:buFont typeface="+mj-lt"/>
+              <a:buAutoNum type="arabicPeriod"/>
+            </a:pPr>
+            <a:r>
+              <a:rPr kumimoji="1" lang="en-US" altLang="zh-CN"/>
+              <a:t>Turn to step 2.</a:t>
+            </a:r>
+          </a:p>
+          <a:p>
+            <a:pPr marL="0" indent="0">
+              <a:buNone/>
+            </a:pPr>
+            <a:r>
+              <a:rPr kumimoji="1" lang="en-US" altLang="zh-CN">
+                <a:hlinkClick r:id="rId2"/>
+              </a:rPr>
+              <a:t>k_means_clustering.py</a:t>
+            </a:r>
+            <a:endParaRPr kumimoji="1" lang="en-US" altLang="zh-CN"/>
+          </a:p>
+        </p:txBody>
+      </p:sp>
+      <p:pic>
+        <p:nvPicPr>
+          <p:cNvPr id="9" name="内容占位符 8">
+            <a:extLst>
+              <a:ext uri="{FF2B5EF4-FFF2-40B4-BE49-F238E27FC236}">
+                <a16:creationId xmlns:a16="http://schemas.microsoft.com/office/drawing/2014/main" id="{F58FC055-94BE-EF40-A40D-936166F8165C}"/>
+              </a:ext>
+            </a:extLst>
+          </p:cNvPr>
+          <p:cNvPicPr>
+            <a:picLocks noGrp="1" noChangeAspect="1"/>
+          </p:cNvPicPr>
+          <p:nvPr>
+            <p:ph sz="half" idx="2"/>
+          </p:nvPr>
+        </p:nvPicPr>
+        <p:blipFill>
+          <a:blip r:embed="rId3"/>
+          <a:stretch>
+            <a:fillRect/>
+          </a:stretch>
+        </p:blipFill>
+        <p:spPr>
+          <a:xfrm>
+            <a:off x="6172200" y="2058194"/>
+            <a:ext cx="5181600" cy="3886200"/>
+          </a:xfrm>
+        </p:spPr>
+      </p:pic>
+    </p:spTree>
+    <p:extLst>
+      <p:ext uri="{BB962C8B-B14F-4D97-AF65-F5344CB8AC3E}">
+        <p14:creationId xmlns:p14="http://schemas.microsoft.com/office/powerpoint/2010/main" val="1106377428"/>
+      </p:ext>
+    </p:extLst>
+  </p:cSld>
+  <p:clrMapOvr>
+    <a:masterClrMapping/>
+  </p:clrMapOvr>
+</p:sld>
+</file>
+
+<file path=ppt/slides/slide5.xml><?xml version="1.0" encoding="utf-8"?>
+<p:sld xmlns:a="http://schemas.openxmlformats.org/drawingml/2006/main" xmlns:r="http://schemas.openxmlformats.org/officeDocument/2006/relationships" xmlns:p="http://schemas.openxmlformats.org/presentationml/2006/main">
+  <p:cSld>
+    <p:spTree>
+      <p:nvGrpSpPr>
+        <p:cNvPr id="1" name=""/>
+        <p:cNvGrpSpPr/>
+        <p:nvPr/>
+      </p:nvGrpSpPr>
+      <p:grpSpPr>
+        <a:xfrm>
+          <a:off x="0" y="0"/>
+          <a:ext cx="0" cy="0"/>
+          <a:chOff x="0" y="0"/>
+          <a:chExt cx="0" cy="0"/>
+        </a:xfrm>
+      </p:grpSpPr>
+      <p:sp>
+        <p:nvSpPr>
+          <p:cNvPr id="2" name="标题 1">
+            <a:extLst>
+              <a:ext uri="{FF2B5EF4-FFF2-40B4-BE49-F238E27FC236}">
+                <a16:creationId xmlns:a16="http://schemas.microsoft.com/office/drawing/2014/main" id="{C0D9670E-8772-DA44-86D8-432F12CA3932}"/>
+              </a:ext>
+            </a:extLst>
+          </p:cNvPr>
+          <p:cNvSpPr>
+            <a:spLocks noGrp="1"/>
+          </p:cNvSpPr>
+          <p:nvPr>
+            <p:ph type="title"/>
+          </p:nvPr>
+        </p:nvSpPr>
+        <p:spPr/>
+        <p:txBody>
+          <a:bodyPr/>
+          <a:lstStyle/>
+          <a:p>
+            <a:r>
+              <a:rPr kumimoji="1" lang="en-US" altLang="zh-CN"/>
+              <a:t>K-medoids</a:t>
+            </a:r>
+            <a:r>
+              <a:rPr kumimoji="1" lang="zh-CN" altLang="en-US"/>
+              <a:t> </a:t>
+            </a:r>
+            <a:r>
+              <a:rPr kumimoji="1" lang="en-US" altLang="zh-CN"/>
+              <a:t>Clustering</a:t>
+            </a:r>
+            <a:endParaRPr kumimoji="1" lang="zh-CN" altLang="en-US"/>
+          </a:p>
+        </p:txBody>
+      </p:sp>
+      <p:sp>
+        <p:nvSpPr>
+          <p:cNvPr id="3" name="内容占位符 2">
+            <a:extLst>
+              <a:ext uri="{FF2B5EF4-FFF2-40B4-BE49-F238E27FC236}">
+                <a16:creationId xmlns:a16="http://schemas.microsoft.com/office/drawing/2014/main" id="{E40528C6-69E9-B54E-9FB9-90D0E13D9D49}"/>
+              </a:ext>
+            </a:extLst>
+          </p:cNvPr>
+          <p:cNvSpPr>
+            <a:spLocks noGrp="1"/>
+          </p:cNvSpPr>
+          <p:nvPr>
+            <p:ph sz="half" idx="1"/>
+          </p:nvPr>
+        </p:nvSpPr>
+        <p:spPr/>
+        <p:txBody>
+          <a:bodyPr>
+            <a:normAutofit lnSpcReduction="10000"/>
+          </a:bodyPr>
+          <a:lstStyle/>
+          <a:p>
+            <a:pPr marL="514350" indent="-514350">
+              <a:buFont typeface="+mj-lt"/>
+              <a:buAutoNum type="arabicPeriod"/>
+            </a:pPr>
+            <a:r>
+              <a:rPr kumimoji="1" lang="en-US" altLang="zh-CN"/>
+              <a:t>Initialize the center randomly for each cluster.</a:t>
+            </a:r>
+          </a:p>
+          <a:p>
+            <a:pPr marL="514350" indent="-514350">
+              <a:buFont typeface="+mj-lt"/>
+              <a:buAutoNum type="arabicPeriod"/>
+            </a:pPr>
+            <a:r>
+              <a:rPr kumimoji="1" lang="en-US" altLang="zh-CN"/>
+              <a:t>Assign each point to the nearest center.</a:t>
+            </a:r>
+          </a:p>
+          <a:p>
+            <a:pPr marL="514350" indent="-514350">
+              <a:buFont typeface="+mj-lt"/>
+              <a:buAutoNum type="arabicPeriod"/>
+            </a:pPr>
+            <a:r>
+              <a:rPr kumimoji="1" lang="en-US" altLang="zh-CN"/>
+              <a:t>Find </a:t>
+            </a:r>
+            <a:r>
+              <a:rPr kumimoji="1" lang="en-US" altLang="zh-CN" b="1"/>
+              <a:t>an actual data point</a:t>
+            </a:r>
+            <a:r>
+              <a:rPr kumimoji="1" lang="en-US" altLang="zh-CN"/>
+              <a:t> in each cluster that minimize the dissimilarity as the new center (say medoid).</a:t>
+            </a:r>
+          </a:p>
+          <a:p>
+            <a:pPr marL="514350" indent="-514350">
+              <a:buFont typeface="+mj-lt"/>
+              <a:buAutoNum type="arabicPeriod"/>
+            </a:pPr>
+            <a:r>
+              <a:rPr kumimoji="1" lang="en-US" altLang="zh-CN"/>
+              <a:t>Turn to step 2.</a:t>
+            </a:r>
+          </a:p>
+          <a:p>
+            <a:pPr marL="0" indent="0">
+              <a:buNone/>
+            </a:pPr>
+            <a:r>
+              <a:rPr kumimoji="1" lang="en-US" altLang="zh-CN">
+                <a:hlinkClick r:id="rId2"/>
+              </a:rPr>
+              <a:t>k_medoids_clustering.py</a:t>
+            </a:r>
+            <a:endParaRPr kumimoji="1" lang="en-US" altLang="zh-CN"/>
+          </a:p>
+        </p:txBody>
+      </p:sp>
+      <p:pic>
+        <p:nvPicPr>
+          <p:cNvPr id="8" name="内容占位符 7">
+            <a:extLst>
+              <a:ext uri="{FF2B5EF4-FFF2-40B4-BE49-F238E27FC236}">
+                <a16:creationId xmlns:a16="http://schemas.microsoft.com/office/drawing/2014/main" id="{CBEE2146-5FA1-744B-9CE7-9BF8C431DBDF}"/>
+              </a:ext>
+            </a:extLst>
+          </p:cNvPr>
+          <p:cNvPicPr>
+            <a:picLocks noGrp="1" noChangeAspect="1"/>
+          </p:cNvPicPr>
+          <p:nvPr>
+            <p:ph sz="half" idx="2"/>
+          </p:nvPr>
+        </p:nvPicPr>
+        <p:blipFill>
+          <a:blip r:embed="rId3"/>
+          <a:stretch>
+            <a:fillRect/>
+          </a:stretch>
+        </p:blipFill>
+        <p:spPr>
+          <a:xfrm>
+            <a:off x="6172200" y="2058194"/>
+            <a:ext cx="5181600" cy="3886200"/>
+          </a:xfrm>
+        </p:spPr>
+      </p:pic>
+    </p:spTree>
+    <p:extLst>
+      <p:ext uri="{BB962C8B-B14F-4D97-AF65-F5344CB8AC3E}">
+        <p14:creationId xmlns:p14="http://schemas.microsoft.com/office/powerpoint/2010/main" val="1348482258"/>
+      </p:ext>
+    </p:extLst>
+  </p:cSld>
+  <p:clrMapOvr>
+    <a:masterClrMapping/>
+  </p:clrMapOvr>
+</p:sld>
+</file>
+
+<file path=ppt/slides/slide6.xml><?xml version="1.0" encoding="utf-8"?>
+<p:sld xmlns:a="http://schemas.openxmlformats.org/drawingml/2006/main" xmlns:r="http://schemas.openxmlformats.org/officeDocument/2006/relationships" xmlns:p="http://schemas.openxmlformats.org/presentationml/2006/main">
+  <p:cSld>
+    <p:spTree>
+      <p:nvGrpSpPr>
+        <p:cNvPr id="1" name=""/>
+        <p:cNvGrpSpPr/>
+        <p:nvPr/>
+      </p:nvGrpSpPr>
+      <p:grpSpPr>
+        <a:xfrm>
+          <a:off x="0" y="0"/>
+          <a:ext cx="0" cy="0"/>
+          <a:chOff x="0" y="0"/>
+          <a:chExt cx="0" cy="0"/>
+        </a:xfrm>
+      </p:grpSpPr>
+      <p:sp>
+        <p:nvSpPr>
+          <p:cNvPr id="2" name="标题 1">
+            <a:extLst>
+              <a:ext uri="{FF2B5EF4-FFF2-40B4-BE49-F238E27FC236}">
+                <a16:creationId xmlns:a16="http://schemas.microsoft.com/office/drawing/2014/main" id="{358F7A91-4708-7945-8BA6-0A90BB32DA6A}"/>
+              </a:ext>
+            </a:extLst>
+          </p:cNvPr>
+          <p:cNvSpPr>
+            <a:spLocks noGrp="1"/>
+          </p:cNvSpPr>
+          <p:nvPr>
+            <p:ph type="title"/>
+          </p:nvPr>
+        </p:nvSpPr>
+        <p:spPr/>
+        <p:txBody>
+          <a:bodyPr/>
+          <a:lstStyle/>
+          <a:p>
+            <a:r>
+              <a:rPr kumimoji="1" lang="en-US" altLang="zh-CN"/>
+              <a:t>Advantages of K-medoids Clustering</a:t>
+            </a:r>
+            <a:endParaRPr kumimoji="1" lang="zh-CN" altLang="en-US"/>
+          </a:p>
+        </p:txBody>
+      </p:sp>
+      <p:sp>
+        <p:nvSpPr>
+          <p:cNvPr id="3" name="内容占位符 2">
+            <a:extLst>
+              <a:ext uri="{FF2B5EF4-FFF2-40B4-BE49-F238E27FC236}">
+                <a16:creationId xmlns:a16="http://schemas.microsoft.com/office/drawing/2014/main" id="{E3F03171-BB68-E547-9612-DCE2656A5632}"/>
+              </a:ext>
+            </a:extLst>
+          </p:cNvPr>
+          <p:cNvSpPr>
+            <a:spLocks noGrp="1"/>
+          </p:cNvSpPr>
+          <p:nvPr>
+            <p:ph idx="1"/>
+          </p:nvPr>
+        </p:nvSpPr>
+        <p:spPr/>
+        <p:txBody>
+          <a:bodyPr/>
+          <a:lstStyle/>
+          <a:p>
+            <a:r>
+              <a:rPr kumimoji="1" lang="en-US" altLang="zh-CN"/>
+              <a:t>Distance only needed.</a:t>
+            </a:r>
+          </a:p>
+          <a:p>
+            <a:pPr lvl="1"/>
+            <a:r>
+              <a:rPr kumimoji="1" lang="en-US" altLang="zh-CN"/>
+              <a:t>Maybe we can define the distance between ODs with simulation results instead of using specific features.</a:t>
+            </a:r>
+          </a:p>
+          <a:p>
+            <a:r>
+              <a:rPr kumimoji="1" lang="en-US" altLang="zh-CN"/>
+              <a:t>Robust to noise.</a:t>
+            </a:r>
+          </a:p>
+          <a:p>
+            <a:r>
+              <a:rPr lang="en" altLang="zh-CN"/>
+              <a:t>Interpretability.</a:t>
+            </a:r>
+            <a:endParaRPr kumimoji="1" lang="zh-CN" altLang="en-US"/>
+          </a:p>
+        </p:txBody>
+      </p:sp>
+    </p:spTree>
+    <p:extLst>
+      <p:ext uri="{BB962C8B-B14F-4D97-AF65-F5344CB8AC3E}">
+        <p14:creationId xmlns:p14="http://schemas.microsoft.com/office/powerpoint/2010/main" val="1647285603"/>
+      </p:ext>
+    </p:extLst>
+  </p:cSld>
+  <p:clrMapOvr>
+    <a:masterClrMapping/>
+  </p:clrMapOvr>
+</p:sld>
+</file>
+
+<file path=ppt/slides/slide7.xml><?xml version="1.0" encoding="utf-8"?>
+<p:sld xmlns:a="http://schemas.openxmlformats.org/drawingml/2006/main" xmlns:r="http://schemas.openxmlformats.org/officeDocument/2006/relationships" xmlns:p="http://schemas.openxmlformats.org/presentationml/2006/main">
+  <p:cSld>
+    <p:spTree>
+      <p:nvGrpSpPr>
+        <p:cNvPr id="1" name=""/>
+        <p:cNvGrpSpPr/>
+        <p:nvPr/>
+      </p:nvGrpSpPr>
+      <p:grpSpPr>
+        <a:xfrm>
+          <a:off x="0" y="0"/>
+          <a:ext cx="0" cy="0"/>
+          <a:chOff x="0" y="0"/>
+          <a:chExt cx="0" cy="0"/>
+        </a:xfrm>
+      </p:grpSpPr>
+      <p:sp>
+        <p:nvSpPr>
+          <p:cNvPr id="2" name="标题 1">
+            <a:extLst>
+              <a:ext uri="{FF2B5EF4-FFF2-40B4-BE49-F238E27FC236}">
                 <a16:creationId xmlns:a16="http://schemas.microsoft.com/office/drawing/2014/main" id="{4F68B799-EDB2-C448-A23E-FADA3EFDA1BD}"/>
               </a:ext>
             </a:extLst>
@@ -4219,6 +4650,252 @@
     <p:extLst>
       <p:ext uri="{BB962C8B-B14F-4D97-AF65-F5344CB8AC3E}">
         <p14:creationId xmlns:p14="http://schemas.microsoft.com/office/powerpoint/2010/main" val="2964995721"/>
+      </p:ext>
+    </p:extLst>
+  </p:cSld>
+  <p:clrMapOvr>
+    <a:masterClrMapping/>
+  </p:clrMapOvr>
+</p:sld>
+</file>
+
+<file path=ppt/slides/slide8.xml><?xml version="1.0" encoding="utf-8"?>
+<p:sld xmlns:a="http://schemas.openxmlformats.org/drawingml/2006/main" xmlns:r="http://schemas.openxmlformats.org/officeDocument/2006/relationships" xmlns:p="http://schemas.openxmlformats.org/presentationml/2006/main">
+  <p:cSld>
+    <p:spTree>
+      <p:nvGrpSpPr>
+        <p:cNvPr id="1" name=""/>
+        <p:cNvGrpSpPr/>
+        <p:nvPr/>
+      </p:nvGrpSpPr>
+      <p:grpSpPr>
+        <a:xfrm>
+          <a:off x="0" y="0"/>
+          <a:ext cx="0" cy="0"/>
+          <a:chOff x="0" y="0"/>
+          <a:chExt cx="0" cy="0"/>
+        </a:xfrm>
+      </p:grpSpPr>
+      <p:sp>
+        <p:nvSpPr>
+          <p:cNvPr id="2" name="标题 1">
+            <a:extLst>
+              <a:ext uri="{FF2B5EF4-FFF2-40B4-BE49-F238E27FC236}">
+                <a16:creationId xmlns:a16="http://schemas.microsoft.com/office/drawing/2014/main" id="{BA5FCD68-F2F5-F946-80E9-16E0E9FE18A1}"/>
+              </a:ext>
+            </a:extLst>
+          </p:cNvPr>
+          <p:cNvSpPr>
+            <a:spLocks noGrp="1"/>
+          </p:cNvSpPr>
+          <p:nvPr>
+            <p:ph type="title"/>
+          </p:nvPr>
+        </p:nvSpPr>
+        <p:spPr/>
+        <p:txBody>
+          <a:bodyPr/>
+          <a:lstStyle/>
+          <a:p>
+            <a:r>
+              <a:rPr kumimoji="1" lang="en-US" altLang="zh-CN"/>
+              <a:t>Fuzzy Clustering</a:t>
+            </a:r>
+            <a:endParaRPr kumimoji="1" lang="zh-CN" altLang="en-US"/>
+          </a:p>
+        </p:txBody>
+      </p:sp>
+      <p:pic>
+        <p:nvPicPr>
+          <p:cNvPr id="6" name="内容占位符 5">
+            <a:extLst>
+              <a:ext uri="{FF2B5EF4-FFF2-40B4-BE49-F238E27FC236}">
+                <a16:creationId xmlns:a16="http://schemas.microsoft.com/office/drawing/2014/main" id="{E469642D-708D-7040-B61F-D88B66929F3C}"/>
+              </a:ext>
+            </a:extLst>
+          </p:cNvPr>
+          <p:cNvPicPr>
+            <a:picLocks noGrp="1" noChangeAspect="1"/>
+          </p:cNvPicPr>
+          <p:nvPr>
+            <p:ph sz="half" idx="1"/>
+          </p:nvPr>
+        </p:nvPicPr>
+        <p:blipFill>
+          <a:blip r:embed="rId2"/>
+          <a:stretch>
+            <a:fillRect/>
+          </a:stretch>
+        </p:blipFill>
+        <p:spPr>
+          <a:xfrm>
+            <a:off x="838200" y="2058194"/>
+            <a:ext cx="5181600" cy="3886200"/>
+          </a:xfrm>
+        </p:spPr>
+      </p:pic>
+      <p:pic>
+        <p:nvPicPr>
+          <p:cNvPr id="8" name="内容占位符 7">
+            <a:extLst>
+              <a:ext uri="{FF2B5EF4-FFF2-40B4-BE49-F238E27FC236}">
+                <a16:creationId xmlns:a16="http://schemas.microsoft.com/office/drawing/2014/main" id="{B9BA6A5A-74A6-234C-BBB0-5B61E2E4E210}"/>
+              </a:ext>
+            </a:extLst>
+          </p:cNvPr>
+          <p:cNvPicPr>
+            <a:picLocks noGrp="1" noChangeAspect="1"/>
+          </p:cNvPicPr>
+          <p:nvPr>
+            <p:ph sz="half" idx="2"/>
+          </p:nvPr>
+        </p:nvPicPr>
+        <p:blipFill>
+          <a:blip r:embed="rId3"/>
+          <a:stretch>
+            <a:fillRect/>
+          </a:stretch>
+        </p:blipFill>
+        <p:spPr>
+          <a:xfrm>
+            <a:off x="6172200" y="2058194"/>
+            <a:ext cx="5181600" cy="3886200"/>
+          </a:xfrm>
+        </p:spPr>
+      </p:pic>
+    </p:spTree>
+    <p:extLst>
+      <p:ext uri="{BB962C8B-B14F-4D97-AF65-F5344CB8AC3E}">
+        <p14:creationId xmlns:p14="http://schemas.microsoft.com/office/powerpoint/2010/main" val="3274304036"/>
+      </p:ext>
+    </p:extLst>
+  </p:cSld>
+  <p:clrMapOvr>
+    <a:masterClrMapping/>
+  </p:clrMapOvr>
+</p:sld>
+</file>
+
+<file path=ppt/slides/slide9.xml><?xml version="1.0" encoding="utf-8"?>
+<p:sld xmlns:a="http://schemas.openxmlformats.org/drawingml/2006/main" xmlns:r="http://schemas.openxmlformats.org/officeDocument/2006/relationships" xmlns:p="http://schemas.openxmlformats.org/presentationml/2006/main">
+  <p:cSld>
+    <p:spTree>
+      <p:nvGrpSpPr>
+        <p:cNvPr id="1" name=""/>
+        <p:cNvGrpSpPr/>
+        <p:nvPr/>
+      </p:nvGrpSpPr>
+      <p:grpSpPr>
+        <a:xfrm>
+          <a:off x="0" y="0"/>
+          <a:ext cx="0" cy="0"/>
+          <a:chOff x="0" y="0"/>
+          <a:chExt cx="0" cy="0"/>
+        </a:xfrm>
+      </p:grpSpPr>
+      <p:sp>
+        <p:nvSpPr>
+          <p:cNvPr id="2" name="标题 1">
+            <a:extLst>
+              <a:ext uri="{FF2B5EF4-FFF2-40B4-BE49-F238E27FC236}">
+                <a16:creationId xmlns:a16="http://schemas.microsoft.com/office/drawing/2014/main" id="{052E1AAD-5B80-2742-8EF2-D7CB2877733C}"/>
+              </a:ext>
+            </a:extLst>
+          </p:cNvPr>
+          <p:cNvSpPr>
+            <a:spLocks noGrp="1"/>
+          </p:cNvSpPr>
+          <p:nvPr>
+            <p:ph type="title"/>
+          </p:nvPr>
+        </p:nvSpPr>
+        <p:spPr/>
+        <p:txBody>
+          <a:bodyPr/>
+          <a:lstStyle/>
+          <a:p>
+            <a:r>
+              <a:rPr kumimoji="1" lang="en-US" altLang="zh-CN"/>
+              <a:t>Fuzzy Clustering</a:t>
+            </a:r>
+            <a:endParaRPr kumimoji="1" lang="zh-CN" altLang="en-US"/>
+          </a:p>
+        </p:txBody>
+      </p:sp>
+      <p:sp>
+        <p:nvSpPr>
+          <p:cNvPr id="3" name="内容占位符 2">
+            <a:extLst>
+              <a:ext uri="{FF2B5EF4-FFF2-40B4-BE49-F238E27FC236}">
+                <a16:creationId xmlns:a16="http://schemas.microsoft.com/office/drawing/2014/main" id="{E489E4C4-940D-5640-97CE-84FC9C12C31B}"/>
+              </a:ext>
+            </a:extLst>
+          </p:cNvPr>
+          <p:cNvSpPr>
+            <a:spLocks noGrp="1"/>
+          </p:cNvSpPr>
+          <p:nvPr>
+            <p:ph sz="half" idx="1"/>
+          </p:nvPr>
+        </p:nvSpPr>
+        <p:spPr/>
+        <p:txBody>
+          <a:bodyPr/>
+          <a:lstStyle/>
+          <a:p>
+            <a:r>
+              <a:rPr kumimoji="1" lang="en-US" altLang="zh-CN"/>
+              <a:t>A point is assigned to a cluster based on a probability.</a:t>
+            </a:r>
+          </a:p>
+          <a:p>
+            <a:r>
+              <a:rPr kumimoji="1" lang="en-US" altLang="zh-CN"/>
+              <a:t>Strategy of iteration is similar to K-means or K-medoids.</a:t>
+            </a:r>
+          </a:p>
+          <a:p>
+            <a:r>
+              <a:rPr kumimoji="1" lang="en-US" altLang="zh-CN"/>
+              <a:t>More parameters need to be determined by experiments.</a:t>
+            </a:r>
+            <a:endParaRPr kumimoji="1" lang="zh-CN" altLang="en-US"/>
+          </a:p>
+        </p:txBody>
+      </p:sp>
+      <p:pic>
+        <p:nvPicPr>
+          <p:cNvPr id="14" name="内容占位符 13">
+            <a:extLst>
+              <a:ext uri="{FF2B5EF4-FFF2-40B4-BE49-F238E27FC236}">
+                <a16:creationId xmlns:a16="http://schemas.microsoft.com/office/drawing/2014/main" id="{D1BA4D18-2B74-CF41-9440-10D4982D0D9E}"/>
+              </a:ext>
+            </a:extLst>
+          </p:cNvPr>
+          <p:cNvPicPr>
+            <a:picLocks noGrp="1" noChangeAspect="1"/>
+          </p:cNvPicPr>
+          <p:nvPr>
+            <p:ph sz="half" idx="2"/>
+          </p:nvPr>
+        </p:nvPicPr>
+        <p:blipFill>
+          <a:blip r:embed="rId2"/>
+          <a:stretch>
+            <a:fillRect/>
+          </a:stretch>
+        </p:blipFill>
+        <p:spPr>
+          <a:xfrm>
+            <a:off x="6172200" y="2058194"/>
+            <a:ext cx="5181600" cy="3886200"/>
+          </a:xfrm>
+        </p:spPr>
+      </p:pic>
+    </p:spTree>
+    <p:extLst>
+      <p:ext uri="{BB962C8B-B14F-4D97-AF65-F5344CB8AC3E}">
+        <p14:creationId xmlns:p14="http://schemas.microsoft.com/office/powerpoint/2010/main" val="7479119"/>
       </p:ext>
     </p:extLst>
   </p:cSld>

--- a/Grid Network Experienments 2.pptx
+++ b/Grid Network Experienments 2.pptx
@@ -5,18 +5,19 @@
     <p:sldMasterId id="2147483648" r:id="rId1"/>
   </p:sldMasterIdLst>
   <p:notesMasterIdLst>
-    <p:notesMasterId r:id="rId11"/>
+    <p:notesMasterId r:id="rId12"/>
   </p:notesMasterIdLst>
   <p:sldIdLst>
     <p:sldId id="256" r:id="rId2"/>
     <p:sldId id="269" r:id="rId3"/>
-    <p:sldId id="271" r:id="rId4"/>
-    <p:sldId id="274" r:id="rId5"/>
-    <p:sldId id="275" r:id="rId6"/>
-    <p:sldId id="276" r:id="rId7"/>
-    <p:sldId id="272" r:id="rId8"/>
-    <p:sldId id="278" r:id="rId9"/>
-    <p:sldId id="279" r:id="rId10"/>
+    <p:sldId id="280" r:id="rId4"/>
+    <p:sldId id="271" r:id="rId5"/>
+    <p:sldId id="274" r:id="rId6"/>
+    <p:sldId id="275" r:id="rId7"/>
+    <p:sldId id="276" r:id="rId8"/>
+    <p:sldId id="272" r:id="rId9"/>
+    <p:sldId id="278" r:id="rId10"/>
+    <p:sldId id="279" r:id="rId11"/>
   </p:sldIdLst>
   <p:sldSz cx="12192000" cy="6858000"/>
   <p:notesSz cx="6858000" cy="9144000"/>
@@ -205,7 +206,7 @@
           <a:p>
             <a:fld id="{C474165D-EA76-B843-BA22-125360274E71}" type="datetimeFigureOut">
               <a:rPr kumimoji="1" lang="zh-CN" altLang="en-US" smtClean="0"/>
-              <a:t>2021/10/4</a:t>
+              <a:t>2021/10/7</a:t>
             </a:fld>
             <a:endParaRPr kumimoji="1" lang="zh-CN" altLang="en-US"/>
           </a:p>
@@ -619,7 +620,7 @@
           <a:p>
             <a:fld id="{9E0703CF-013D-2742-B85D-75367043BA56}" type="datetimeFigureOut">
               <a:rPr kumimoji="1" lang="zh-CN" altLang="en-US" smtClean="0"/>
-              <a:t>2021/10/4</a:t>
+              <a:t>2021/10/7</a:t>
             </a:fld>
             <a:endParaRPr kumimoji="1" lang="zh-CN" altLang="en-US"/>
           </a:p>
@@ -817,7 +818,7 @@
           <a:p>
             <a:fld id="{9E0703CF-013D-2742-B85D-75367043BA56}" type="datetimeFigureOut">
               <a:rPr kumimoji="1" lang="zh-CN" altLang="en-US" smtClean="0"/>
-              <a:t>2021/10/4</a:t>
+              <a:t>2021/10/7</a:t>
             </a:fld>
             <a:endParaRPr kumimoji="1" lang="zh-CN" altLang="en-US"/>
           </a:p>
@@ -1025,7 +1026,7 @@
           <a:p>
             <a:fld id="{9E0703CF-013D-2742-B85D-75367043BA56}" type="datetimeFigureOut">
               <a:rPr kumimoji="1" lang="zh-CN" altLang="en-US" smtClean="0"/>
-              <a:t>2021/10/4</a:t>
+              <a:t>2021/10/7</a:t>
             </a:fld>
             <a:endParaRPr kumimoji="1" lang="zh-CN" altLang="en-US"/>
           </a:p>
@@ -1223,7 +1224,7 @@
           <a:p>
             <a:fld id="{9E0703CF-013D-2742-B85D-75367043BA56}" type="datetimeFigureOut">
               <a:rPr kumimoji="1" lang="zh-CN" altLang="en-US" smtClean="0"/>
-              <a:t>2021/10/4</a:t>
+              <a:t>2021/10/7</a:t>
             </a:fld>
             <a:endParaRPr kumimoji="1" lang="zh-CN" altLang="en-US"/>
           </a:p>
@@ -1498,7 +1499,7 @@
           <a:p>
             <a:fld id="{9E0703CF-013D-2742-B85D-75367043BA56}" type="datetimeFigureOut">
               <a:rPr kumimoji="1" lang="zh-CN" altLang="en-US" smtClean="0"/>
-              <a:t>2021/10/4</a:t>
+              <a:t>2021/10/7</a:t>
             </a:fld>
             <a:endParaRPr kumimoji="1" lang="zh-CN" altLang="en-US"/>
           </a:p>
@@ -1763,7 +1764,7 @@
           <a:p>
             <a:fld id="{9E0703CF-013D-2742-B85D-75367043BA56}" type="datetimeFigureOut">
               <a:rPr kumimoji="1" lang="zh-CN" altLang="en-US" smtClean="0"/>
-              <a:t>2021/10/4</a:t>
+              <a:t>2021/10/7</a:t>
             </a:fld>
             <a:endParaRPr kumimoji="1" lang="zh-CN" altLang="en-US"/>
           </a:p>
@@ -2175,7 +2176,7 @@
           <a:p>
             <a:fld id="{9E0703CF-013D-2742-B85D-75367043BA56}" type="datetimeFigureOut">
               <a:rPr kumimoji="1" lang="zh-CN" altLang="en-US" smtClean="0"/>
-              <a:t>2021/10/4</a:t>
+              <a:t>2021/10/7</a:t>
             </a:fld>
             <a:endParaRPr kumimoji="1" lang="zh-CN" altLang="en-US"/>
           </a:p>
@@ -2316,7 +2317,7 @@
           <a:p>
             <a:fld id="{9E0703CF-013D-2742-B85D-75367043BA56}" type="datetimeFigureOut">
               <a:rPr kumimoji="1" lang="zh-CN" altLang="en-US" smtClean="0"/>
-              <a:t>2021/10/4</a:t>
+              <a:t>2021/10/7</a:t>
             </a:fld>
             <a:endParaRPr kumimoji="1" lang="zh-CN" altLang="en-US"/>
           </a:p>
@@ -2429,7 +2430,7 @@
           <a:p>
             <a:fld id="{9E0703CF-013D-2742-B85D-75367043BA56}" type="datetimeFigureOut">
               <a:rPr kumimoji="1" lang="zh-CN" altLang="en-US" smtClean="0"/>
-              <a:t>2021/10/4</a:t>
+              <a:t>2021/10/7</a:t>
             </a:fld>
             <a:endParaRPr kumimoji="1" lang="zh-CN" altLang="en-US"/>
           </a:p>
@@ -2740,7 +2741,7 @@
           <a:p>
             <a:fld id="{9E0703CF-013D-2742-B85D-75367043BA56}" type="datetimeFigureOut">
               <a:rPr kumimoji="1" lang="zh-CN" altLang="en-US" smtClean="0"/>
-              <a:t>2021/10/4</a:t>
+              <a:t>2021/10/7</a:t>
             </a:fld>
             <a:endParaRPr kumimoji="1" lang="zh-CN" altLang="en-US"/>
           </a:p>
@@ -3028,7 +3029,7 @@
           <a:p>
             <a:fld id="{9E0703CF-013D-2742-B85D-75367043BA56}" type="datetimeFigureOut">
               <a:rPr kumimoji="1" lang="zh-CN" altLang="en-US" smtClean="0"/>
-              <a:t>2021/10/4</a:t>
+              <a:t>2021/10/7</a:t>
             </a:fld>
             <a:endParaRPr kumimoji="1" lang="zh-CN" altLang="en-US"/>
           </a:p>
@@ -3269,7 +3270,7 @@
           <a:p>
             <a:fld id="{9E0703CF-013D-2742-B85D-75367043BA56}" type="datetimeFigureOut">
               <a:rPr kumimoji="1" lang="zh-CN" altLang="en-US" smtClean="0"/>
-              <a:t>2021/10/4</a:t>
+              <a:t>2021/10/7</a:t>
             </a:fld>
             <a:endParaRPr kumimoji="1" lang="zh-CN" altLang="en-US"/>
           </a:p>
@@ -3752,7 +3753,7 @@
           <a:p>
             <a:fld id="{B4F26AAF-4606-EA46-91F3-16F8CEF58196}" type="datetime1">
               <a:rPr kumimoji="1" lang="zh-CN" altLang="en-US" smtClean="0"/>
-              <a:t>2021/10/4</a:t>
+              <a:t>2021/10/7</a:t>
             </a:fld>
             <a:endParaRPr kumimoji="1" lang="zh-CN" altLang="en-US" dirty="0"/>
           </a:p>
@@ -3762,6 +3763,135 @@
     <p:extLst>
       <p:ext uri="{BB962C8B-B14F-4D97-AF65-F5344CB8AC3E}">
         <p14:creationId xmlns:p14="http://schemas.microsoft.com/office/powerpoint/2010/main" val="1314612703"/>
+      </p:ext>
+    </p:extLst>
+  </p:cSld>
+  <p:clrMapOvr>
+    <a:masterClrMapping/>
+  </p:clrMapOvr>
+</p:sld>
+</file>
+
+<file path=ppt/slides/slide10.xml><?xml version="1.0" encoding="utf-8"?>
+<p:sld xmlns:a="http://schemas.openxmlformats.org/drawingml/2006/main" xmlns:r="http://schemas.openxmlformats.org/officeDocument/2006/relationships" xmlns:p="http://schemas.openxmlformats.org/presentationml/2006/main">
+  <p:cSld>
+    <p:spTree>
+      <p:nvGrpSpPr>
+        <p:cNvPr id="1" name=""/>
+        <p:cNvGrpSpPr/>
+        <p:nvPr/>
+      </p:nvGrpSpPr>
+      <p:grpSpPr>
+        <a:xfrm>
+          <a:off x="0" y="0"/>
+          <a:ext cx="0" cy="0"/>
+          <a:chOff x="0" y="0"/>
+          <a:chExt cx="0" cy="0"/>
+        </a:xfrm>
+      </p:grpSpPr>
+      <p:sp>
+        <p:nvSpPr>
+          <p:cNvPr id="2" name="标题 1">
+            <a:extLst>
+              <a:ext uri="{FF2B5EF4-FFF2-40B4-BE49-F238E27FC236}">
+                <a16:creationId xmlns:a16="http://schemas.microsoft.com/office/drawing/2014/main" id="{052E1AAD-5B80-2742-8EF2-D7CB2877733C}"/>
+              </a:ext>
+            </a:extLst>
+          </p:cNvPr>
+          <p:cNvSpPr>
+            <a:spLocks noGrp="1"/>
+          </p:cNvSpPr>
+          <p:nvPr>
+            <p:ph type="title"/>
+          </p:nvPr>
+        </p:nvSpPr>
+        <p:spPr/>
+        <p:txBody>
+          <a:bodyPr/>
+          <a:lstStyle/>
+          <a:p>
+            <a:r>
+              <a:rPr kumimoji="1" lang="en-US" altLang="zh-CN"/>
+              <a:t>Fuzzy Clustering</a:t>
+            </a:r>
+            <a:endParaRPr kumimoji="1" lang="zh-CN" altLang="en-US"/>
+          </a:p>
+        </p:txBody>
+      </p:sp>
+      <p:sp>
+        <p:nvSpPr>
+          <p:cNvPr id="3" name="内容占位符 2">
+            <a:extLst>
+              <a:ext uri="{FF2B5EF4-FFF2-40B4-BE49-F238E27FC236}">
+                <a16:creationId xmlns:a16="http://schemas.microsoft.com/office/drawing/2014/main" id="{E489E4C4-940D-5640-97CE-84FC9C12C31B}"/>
+              </a:ext>
+            </a:extLst>
+          </p:cNvPr>
+          <p:cNvSpPr>
+            <a:spLocks noGrp="1"/>
+          </p:cNvSpPr>
+          <p:nvPr>
+            <p:ph sz="half" idx="1"/>
+          </p:nvPr>
+        </p:nvSpPr>
+        <p:spPr/>
+        <p:txBody>
+          <a:bodyPr/>
+          <a:lstStyle/>
+          <a:p>
+            <a:r>
+              <a:rPr kumimoji="1" lang="en-US" altLang="zh-CN"/>
+              <a:t>A point is assigned to a cluster based on a probability.</a:t>
+            </a:r>
+          </a:p>
+          <a:p>
+            <a:r>
+              <a:rPr kumimoji="1" lang="en-US" altLang="zh-CN"/>
+              <a:t>Strategy of iteration is similar to K-means or K-medoids.</a:t>
+            </a:r>
+          </a:p>
+          <a:p>
+            <a:r>
+              <a:rPr kumimoji="1" lang="en-US" altLang="zh-CN"/>
+              <a:t>More parameters need to be determined by experiments.</a:t>
+            </a:r>
+            <a:endParaRPr kumimoji="1" lang="zh-CN" altLang="en-US"/>
+          </a:p>
+        </p:txBody>
+      </p:sp>
+      <p:pic>
+        <p:nvPicPr>
+          <p:cNvPr id="14" name="内容占位符 13">
+            <a:extLst>
+              <a:ext uri="{FF2B5EF4-FFF2-40B4-BE49-F238E27FC236}">
+                <a16:creationId xmlns:a16="http://schemas.microsoft.com/office/drawing/2014/main" id="{D1BA4D18-2B74-CF41-9440-10D4982D0D9E}"/>
+              </a:ext>
+            </a:extLst>
+          </p:cNvPr>
+          <p:cNvPicPr>
+            <a:picLocks noGrp="1" noChangeAspect="1"/>
+          </p:cNvPicPr>
+          <p:nvPr>
+            <p:ph sz="half" idx="2"/>
+          </p:nvPr>
+        </p:nvPicPr>
+        <p:blipFill>
+          <a:blip r:embed="rId2"/>
+          <a:stretch>
+            <a:fillRect/>
+          </a:stretch>
+        </p:blipFill>
+        <p:spPr>
+          <a:xfrm>
+            <a:off x="6172200" y="2058194"/>
+            <a:ext cx="5181600" cy="3886200"/>
+          </a:xfrm>
+        </p:spPr>
+      </p:pic>
+    </p:spTree>
+    <p:extLst>
+      <p:ext uri="{BB962C8B-B14F-4D97-AF65-F5344CB8AC3E}">
+        <p14:creationId xmlns:p14="http://schemas.microsoft.com/office/powerpoint/2010/main" val="7479119"/>
       </p:ext>
     </p:extLst>
   </p:cSld>
@@ -3916,6 +4046,121 @@
           <p:cNvPr id="2" name="标题 1">
             <a:extLst>
               <a:ext uri="{FF2B5EF4-FFF2-40B4-BE49-F238E27FC236}">
+                <a16:creationId xmlns:a16="http://schemas.microsoft.com/office/drawing/2014/main" id="{7222E20E-9C1D-4A45-B449-97A931EDD8EA}"/>
+              </a:ext>
+            </a:extLst>
+          </p:cNvPr>
+          <p:cNvSpPr>
+            <a:spLocks noGrp="1"/>
+          </p:cNvSpPr>
+          <p:nvPr>
+            <p:ph type="title"/>
+          </p:nvPr>
+        </p:nvSpPr>
+        <p:spPr/>
+        <p:txBody>
+          <a:bodyPr/>
+          <a:lstStyle/>
+          <a:p>
+            <a:r>
+              <a:rPr kumimoji="1" lang="en-US" altLang="zh-CN"/>
+              <a:t>Simulation</a:t>
+            </a:r>
+            <a:endParaRPr kumimoji="1" lang="zh-CN" altLang="en-US"/>
+          </a:p>
+        </p:txBody>
+      </p:sp>
+      <p:sp>
+        <p:nvSpPr>
+          <p:cNvPr id="3" name="内容占位符 2">
+            <a:extLst>
+              <a:ext uri="{FF2B5EF4-FFF2-40B4-BE49-F238E27FC236}">
+                <a16:creationId xmlns:a16="http://schemas.microsoft.com/office/drawing/2014/main" id="{0BB8139A-AF3B-5F48-A712-24E5D99380FB}"/>
+              </a:ext>
+            </a:extLst>
+          </p:cNvPr>
+          <p:cNvSpPr>
+            <a:spLocks noGrp="1"/>
+          </p:cNvSpPr>
+          <p:nvPr>
+            <p:ph idx="1"/>
+          </p:nvPr>
+        </p:nvSpPr>
+        <p:spPr/>
+        <p:txBody>
+          <a:bodyPr/>
+          <a:lstStyle/>
+          <a:p>
+            <a:r>
+              <a:rPr kumimoji="1" lang="en-US" altLang="zh-CN"/>
+              <a:t>In the scenarios of 200 ODs:</a:t>
+            </a:r>
+          </a:p>
+          <a:p>
+            <a:pPr lvl="1"/>
+            <a:r>
+              <a:rPr kumimoji="1" lang="en-US" altLang="zh-CN"/>
+              <a:t>Average absolute error is 1.4%</a:t>
+            </a:r>
+          </a:p>
+          <a:p>
+            <a:pPr lvl="1"/>
+            <a:r>
+              <a:rPr kumimoji="1" lang="en-US" altLang="zh-CN"/>
+              <a:t>Maximum absolute error is 7.8%</a:t>
+            </a:r>
+          </a:p>
+          <a:p>
+            <a:pPr lvl="1"/>
+            <a:r>
+              <a:rPr kumimoji="1" lang="en-US" altLang="zh-CN"/>
+              <a:t>Average relative error is 1.6%</a:t>
+            </a:r>
+          </a:p>
+          <a:p>
+            <a:pPr lvl="1"/>
+            <a:r>
+              <a:rPr kumimoji="1" lang="en-US" altLang="zh-CN"/>
+              <a:t>Maximum relative error is 8.2%</a:t>
+            </a:r>
+          </a:p>
+        </p:txBody>
+      </p:sp>
+    </p:spTree>
+    <p:extLst>
+      <p:ext uri="{BB962C8B-B14F-4D97-AF65-F5344CB8AC3E}">
+        <p14:creationId xmlns:p14="http://schemas.microsoft.com/office/powerpoint/2010/main" val="2520780926"/>
+      </p:ext>
+    </p:extLst>
+  </p:cSld>
+  <p:clrMapOvr>
+    <a:masterClrMapping/>
+  </p:clrMapOvr>
+</p:sld>
+</file>
+
+<file path=ppt/slides/slide4.xml><?xml version="1.0" encoding="utf-8"?>
+<p:sld xmlns:a="http://schemas.openxmlformats.org/drawingml/2006/main" xmlns:r="http://schemas.openxmlformats.org/officeDocument/2006/relationships" xmlns:p="http://schemas.openxmlformats.org/presentationml/2006/main">
+  <p:cSld>
+    <p:spTree>
+      <p:nvGrpSpPr>
+        <p:cNvPr id="1" name=""/>
+        <p:cNvGrpSpPr/>
+        <p:nvPr/>
+      </p:nvGrpSpPr>
+      <p:grpSpPr>
+        <a:xfrm>
+          <a:off x="0" y="0"/>
+          <a:ext cx="0" cy="0"/>
+          <a:chOff x="0" y="0"/>
+          <a:chExt cx="0" cy="0"/>
+        </a:xfrm>
+      </p:grpSpPr>
+      <p:sp>
+        <p:nvSpPr>
+          <p:cNvPr id="2" name="标题 1">
+            <a:extLst>
+              <a:ext uri="{FF2B5EF4-FFF2-40B4-BE49-F238E27FC236}">
                 <a16:creationId xmlns:a16="http://schemas.microsoft.com/office/drawing/2014/main" id="{FDA4F0B0-6E1F-7D4F-9A4C-2E8E6EB709AE}"/>
               </a:ext>
             </a:extLst>
@@ -4047,7 +4292,7 @@
 </p:sld>
 </file>
 
-<file path=ppt/slides/slide4.xml><?xml version="1.0" encoding="utf-8"?>
+<file path=ppt/slides/slide5.xml><?xml version="1.0" encoding="utf-8"?>
 <p:sld xmlns:a="http://schemas.openxmlformats.org/drawingml/2006/main" xmlns:r="http://schemas.openxmlformats.org/officeDocument/2006/relationships" xmlns:p="http://schemas.openxmlformats.org/presentationml/2006/main">
   <p:cSld>
     <p:spTree>
@@ -4225,7 +4470,7 @@
 </p:sld>
 </file>
 
-<file path=ppt/slides/slide5.xml><?xml version="1.0" encoding="utf-8"?>
+<file path=ppt/slides/slide6.xml><?xml version="1.0" encoding="utf-8"?>
 <p:sld xmlns:a="http://schemas.openxmlformats.org/drawingml/2006/main" xmlns:r="http://schemas.openxmlformats.org/officeDocument/2006/relationships" xmlns:p="http://schemas.openxmlformats.org/presentationml/2006/main">
   <p:cSld>
     <p:spTree>
@@ -4405,7 +4650,7 @@
 </p:sld>
 </file>
 
-<file path=ppt/slides/slide6.xml><?xml version="1.0" encoding="utf-8"?>
+<file path=ppt/slides/slide7.xml><?xml version="1.0" encoding="utf-8"?>
 <p:sld xmlns:a="http://schemas.openxmlformats.org/drawingml/2006/main" xmlns:r="http://schemas.openxmlformats.org/officeDocument/2006/relationships" xmlns:p="http://schemas.openxmlformats.org/presentationml/2006/main">
   <p:cSld>
     <p:spTree>
@@ -4512,7 +4757,7 @@
 </p:sld>
 </file>
 
-<file path=ppt/slides/slide7.xml><?xml version="1.0" encoding="utf-8"?>
+<file path=ppt/slides/slide8.xml><?xml version="1.0" encoding="utf-8"?>
 <p:sld xmlns:a="http://schemas.openxmlformats.org/drawingml/2006/main" xmlns:r="http://schemas.openxmlformats.org/officeDocument/2006/relationships" xmlns:p="http://schemas.openxmlformats.org/presentationml/2006/main">
   <p:cSld>
     <p:spTree>
@@ -4659,7 +4904,7 @@
 </p:sld>
 </file>
 
-<file path=ppt/slides/slide8.xml><?xml version="1.0" encoding="utf-8"?>
+<file path=ppt/slides/slide9.xml><?xml version="1.0" encoding="utf-8"?>
 <p:sld xmlns:a="http://schemas.openxmlformats.org/drawingml/2006/main" xmlns:r="http://schemas.openxmlformats.org/officeDocument/2006/relationships" xmlns:p="http://schemas.openxmlformats.org/presentationml/2006/main">
   <p:cSld>
     <p:spTree>
@@ -4767,135 +5012,6 @@
     <p:extLst>
       <p:ext uri="{BB962C8B-B14F-4D97-AF65-F5344CB8AC3E}">
         <p14:creationId xmlns:p14="http://schemas.microsoft.com/office/powerpoint/2010/main" val="3274304036"/>
-      </p:ext>
-    </p:extLst>
-  </p:cSld>
-  <p:clrMapOvr>
-    <a:masterClrMapping/>
-  </p:clrMapOvr>
-</p:sld>
-</file>
-
-<file path=ppt/slides/slide9.xml><?xml version="1.0" encoding="utf-8"?>
-<p:sld xmlns:a="http://schemas.openxmlformats.org/drawingml/2006/main" xmlns:r="http://schemas.openxmlformats.org/officeDocument/2006/relationships" xmlns:p="http://schemas.openxmlformats.org/presentationml/2006/main">
-  <p:cSld>
-    <p:spTree>
-      <p:nvGrpSpPr>
-        <p:cNvPr id="1" name=""/>
-        <p:cNvGrpSpPr/>
-        <p:nvPr/>
-      </p:nvGrpSpPr>
-      <p:grpSpPr>
-        <a:xfrm>
-          <a:off x="0" y="0"/>
-          <a:ext cx="0" cy="0"/>
-          <a:chOff x="0" y="0"/>
-          <a:chExt cx="0" cy="0"/>
-        </a:xfrm>
-      </p:grpSpPr>
-      <p:sp>
-        <p:nvSpPr>
-          <p:cNvPr id="2" name="标题 1">
-            <a:extLst>
-              <a:ext uri="{FF2B5EF4-FFF2-40B4-BE49-F238E27FC236}">
-                <a16:creationId xmlns:a16="http://schemas.microsoft.com/office/drawing/2014/main" id="{052E1AAD-5B80-2742-8EF2-D7CB2877733C}"/>
-              </a:ext>
-            </a:extLst>
-          </p:cNvPr>
-          <p:cNvSpPr>
-            <a:spLocks noGrp="1"/>
-          </p:cNvSpPr>
-          <p:nvPr>
-            <p:ph type="title"/>
-          </p:nvPr>
-        </p:nvSpPr>
-        <p:spPr/>
-        <p:txBody>
-          <a:bodyPr/>
-          <a:lstStyle/>
-          <a:p>
-            <a:r>
-              <a:rPr kumimoji="1" lang="en-US" altLang="zh-CN"/>
-              <a:t>Fuzzy Clustering</a:t>
-            </a:r>
-            <a:endParaRPr kumimoji="1" lang="zh-CN" altLang="en-US"/>
-          </a:p>
-        </p:txBody>
-      </p:sp>
-      <p:sp>
-        <p:nvSpPr>
-          <p:cNvPr id="3" name="内容占位符 2">
-            <a:extLst>
-              <a:ext uri="{FF2B5EF4-FFF2-40B4-BE49-F238E27FC236}">
-                <a16:creationId xmlns:a16="http://schemas.microsoft.com/office/drawing/2014/main" id="{E489E4C4-940D-5640-97CE-84FC9C12C31B}"/>
-              </a:ext>
-            </a:extLst>
-          </p:cNvPr>
-          <p:cNvSpPr>
-            <a:spLocks noGrp="1"/>
-          </p:cNvSpPr>
-          <p:nvPr>
-            <p:ph sz="half" idx="1"/>
-          </p:nvPr>
-        </p:nvSpPr>
-        <p:spPr/>
-        <p:txBody>
-          <a:bodyPr/>
-          <a:lstStyle/>
-          <a:p>
-            <a:r>
-              <a:rPr kumimoji="1" lang="en-US" altLang="zh-CN"/>
-              <a:t>A point is assigned to a cluster based on a probability.</a:t>
-            </a:r>
-          </a:p>
-          <a:p>
-            <a:r>
-              <a:rPr kumimoji="1" lang="en-US" altLang="zh-CN"/>
-              <a:t>Strategy of iteration is similar to K-means or K-medoids.</a:t>
-            </a:r>
-          </a:p>
-          <a:p>
-            <a:r>
-              <a:rPr kumimoji="1" lang="en-US" altLang="zh-CN"/>
-              <a:t>More parameters need to be determined by experiments.</a:t>
-            </a:r>
-            <a:endParaRPr kumimoji="1" lang="zh-CN" altLang="en-US"/>
-          </a:p>
-        </p:txBody>
-      </p:sp>
-      <p:pic>
-        <p:nvPicPr>
-          <p:cNvPr id="14" name="内容占位符 13">
-            <a:extLst>
-              <a:ext uri="{FF2B5EF4-FFF2-40B4-BE49-F238E27FC236}">
-                <a16:creationId xmlns:a16="http://schemas.microsoft.com/office/drawing/2014/main" id="{D1BA4D18-2B74-CF41-9440-10D4982D0D9E}"/>
-              </a:ext>
-            </a:extLst>
-          </p:cNvPr>
-          <p:cNvPicPr>
-            <a:picLocks noGrp="1" noChangeAspect="1"/>
-          </p:cNvPicPr>
-          <p:nvPr>
-            <p:ph sz="half" idx="2"/>
-          </p:nvPr>
-        </p:nvPicPr>
-        <p:blipFill>
-          <a:blip r:embed="rId2"/>
-          <a:stretch>
-            <a:fillRect/>
-          </a:stretch>
-        </p:blipFill>
-        <p:spPr>
-          <a:xfrm>
-            <a:off x="6172200" y="2058194"/>
-            <a:ext cx="5181600" cy="3886200"/>
-          </a:xfrm>
-        </p:spPr>
-      </p:pic>
-    </p:spTree>
-    <p:extLst>
-      <p:ext uri="{BB962C8B-B14F-4D97-AF65-F5344CB8AC3E}">
-        <p14:creationId xmlns:p14="http://schemas.microsoft.com/office/powerpoint/2010/main" val="7479119"/>
       </p:ext>
     </p:extLst>
   </p:cSld>

--- a/Grid Network Experienments 2.pptx
+++ b/Grid Network Experienments 2.pptx
@@ -5,7 +5,7 @@
     <p:sldMasterId id="2147483648" r:id="rId1"/>
   </p:sldMasterIdLst>
   <p:notesMasterIdLst>
-    <p:notesMasterId r:id="rId12"/>
+    <p:notesMasterId r:id="rId13"/>
   </p:notesMasterIdLst>
   <p:sldIdLst>
     <p:sldId id="256" r:id="rId2"/>
@@ -18,6 +18,7 @@
     <p:sldId id="272" r:id="rId9"/>
     <p:sldId id="278" r:id="rId10"/>
     <p:sldId id="279" r:id="rId11"/>
+    <p:sldId id="281" r:id="rId12"/>
   </p:sldIdLst>
   <p:sldSz cx="12192000" cy="6858000"/>
   <p:notesSz cx="6858000" cy="9144000"/>
@@ -471,6 +472,90 @@
     </a:lvl9pPr>
   </p:notesStyle>
 </p:notesMaster>
+</file>
+
+<file path=ppt/notesSlides/notesSlide1.xml><?xml version="1.0" encoding="utf-8"?>
+<p:notes xmlns:a="http://schemas.openxmlformats.org/drawingml/2006/main" xmlns:r="http://schemas.openxmlformats.org/officeDocument/2006/relationships" xmlns:p="http://schemas.openxmlformats.org/presentationml/2006/main">
+  <p:cSld>
+    <p:spTree>
+      <p:nvGrpSpPr>
+        <p:cNvPr id="1" name=""/>
+        <p:cNvGrpSpPr/>
+        <p:nvPr/>
+      </p:nvGrpSpPr>
+      <p:grpSpPr>
+        <a:xfrm>
+          <a:off x="0" y="0"/>
+          <a:ext cx="0" cy="0"/>
+          <a:chOff x="0" y="0"/>
+          <a:chExt cx="0" cy="0"/>
+        </a:xfrm>
+      </p:grpSpPr>
+      <p:sp>
+        <p:nvSpPr>
+          <p:cNvPr id="2" name="幻灯片图像占位符 1"/>
+          <p:cNvSpPr>
+            <a:spLocks noGrp="1" noRot="1" noChangeAspect="1"/>
+          </p:cNvSpPr>
+          <p:nvPr>
+            <p:ph type="sldImg"/>
+          </p:nvPr>
+        </p:nvSpPr>
+        <p:spPr/>
+      </p:sp>
+      <p:sp>
+        <p:nvSpPr>
+          <p:cNvPr id="3" name="备注占位符 2"/>
+          <p:cNvSpPr>
+            <a:spLocks noGrp="1"/>
+          </p:cNvSpPr>
+          <p:nvPr>
+            <p:ph type="body" idx="1"/>
+          </p:nvPr>
+        </p:nvSpPr>
+        <p:spPr/>
+        <p:txBody>
+          <a:bodyPr/>
+          <a:lstStyle/>
+          <a:p>
+            <a:endParaRPr kumimoji="1" lang="zh-CN" altLang="en-US"/>
+          </a:p>
+        </p:txBody>
+      </p:sp>
+      <p:sp>
+        <p:nvSpPr>
+          <p:cNvPr id="4" name="灯片编号占位符 3"/>
+          <p:cNvSpPr>
+            <a:spLocks noGrp="1"/>
+          </p:cNvSpPr>
+          <p:nvPr>
+            <p:ph type="sldNum" sz="quarter" idx="5"/>
+          </p:nvPr>
+        </p:nvSpPr>
+        <p:spPr/>
+        <p:txBody>
+          <a:bodyPr/>
+          <a:lstStyle/>
+          <a:p>
+            <a:fld id="{82EC0727-F3BD-954F-8B54-65D706569C73}" type="slidenum">
+              <a:rPr kumimoji="1" lang="zh-CN" altLang="en-US" smtClean="0"/>
+              <a:t>11</a:t>
+            </a:fld>
+            <a:endParaRPr kumimoji="1" lang="zh-CN" altLang="en-US"/>
+          </a:p>
+        </p:txBody>
+      </p:sp>
+    </p:spTree>
+    <p:extLst>
+      <p:ext uri="{BB962C8B-B14F-4D97-AF65-F5344CB8AC3E}">
+        <p14:creationId xmlns:p14="http://schemas.microsoft.com/office/powerpoint/2010/main" val="4237746133"/>
+      </p:ext>
+    </p:extLst>
+  </p:cSld>
+  <p:clrMapOvr>
+    <a:masterClrMapping/>
+  </p:clrMapOvr>
+</p:notes>
 </file>
 
 <file path=ppt/slideLayouts/slideLayout1.xml><?xml version="1.0" encoding="utf-8"?>
@@ -3892,6 +3977,136 @@
     <p:extLst>
       <p:ext uri="{BB962C8B-B14F-4D97-AF65-F5344CB8AC3E}">
         <p14:creationId xmlns:p14="http://schemas.microsoft.com/office/powerpoint/2010/main" val="7479119"/>
+      </p:ext>
+    </p:extLst>
+  </p:cSld>
+  <p:clrMapOvr>
+    <a:masterClrMapping/>
+  </p:clrMapOvr>
+</p:sld>
+</file>
+
+<file path=ppt/slides/slide11.xml><?xml version="1.0" encoding="utf-8"?>
+<p:sld xmlns:a="http://schemas.openxmlformats.org/drawingml/2006/main" xmlns:r="http://schemas.openxmlformats.org/officeDocument/2006/relationships" xmlns:p="http://schemas.openxmlformats.org/presentationml/2006/main">
+  <p:cSld>
+    <p:spTree>
+      <p:nvGrpSpPr>
+        <p:cNvPr id="1" name=""/>
+        <p:cNvGrpSpPr/>
+        <p:nvPr/>
+      </p:nvGrpSpPr>
+      <p:grpSpPr>
+        <a:xfrm>
+          <a:off x="0" y="0"/>
+          <a:ext cx="0" cy="0"/>
+          <a:chOff x="0" y="0"/>
+          <a:chExt cx="0" cy="0"/>
+        </a:xfrm>
+      </p:grpSpPr>
+      <p:sp>
+        <p:nvSpPr>
+          <p:cNvPr id="2" name="标题 1">
+            <a:extLst>
+              <a:ext uri="{FF2B5EF4-FFF2-40B4-BE49-F238E27FC236}">
+                <a16:creationId xmlns:a16="http://schemas.microsoft.com/office/drawing/2014/main" id="{E5795669-25AB-7146-AFE7-73A70F64BF51}"/>
+              </a:ext>
+            </a:extLst>
+          </p:cNvPr>
+          <p:cNvSpPr>
+            <a:spLocks noGrp="1"/>
+          </p:cNvSpPr>
+          <p:nvPr>
+            <p:ph type="title"/>
+          </p:nvPr>
+        </p:nvSpPr>
+        <p:spPr/>
+        <p:txBody>
+          <a:bodyPr/>
+          <a:lstStyle/>
+          <a:p>
+            <a:r>
+              <a:rPr kumimoji="1" lang="en-US" altLang="zh-CN"/>
+              <a:t>K-medoids Clustering with Simulation Data</a:t>
+            </a:r>
+            <a:endParaRPr kumimoji="1" lang="zh-CN" altLang="en-US"/>
+          </a:p>
+        </p:txBody>
+      </p:sp>
+      <p:sp>
+        <p:nvSpPr>
+          <p:cNvPr id="3" name="内容占位符 2">
+            <a:extLst>
+              <a:ext uri="{FF2B5EF4-FFF2-40B4-BE49-F238E27FC236}">
+                <a16:creationId xmlns:a16="http://schemas.microsoft.com/office/drawing/2014/main" id="{4FAE4258-8416-DA4C-8600-C44FD3B45609}"/>
+              </a:ext>
+            </a:extLst>
+          </p:cNvPr>
+          <p:cNvSpPr>
+            <a:spLocks noGrp="1"/>
+          </p:cNvSpPr>
+          <p:nvPr>
+            <p:ph idx="1"/>
+          </p:nvPr>
+        </p:nvSpPr>
+        <p:spPr/>
+        <p:txBody>
+          <a:bodyPr/>
+          <a:lstStyle/>
+          <a:p>
+            <a:r>
+              <a:rPr kumimoji="1" lang="en-US" altLang="zh-CN"/>
+              <a:t>n[i][j] means number of times of matching between OD i and j.</a:t>
+            </a:r>
+          </a:p>
+          <a:p>
+            <a:r>
+              <a:rPr kumimoji="1" lang="en-US" altLang="zh-CN"/>
+              <a:t>Dummy distance[i][j] = max{n[i][j] | i ≠ j} – n[i][j] if i ≠ j and distance[i][j] = 0 if i = j.</a:t>
+            </a:r>
+          </a:p>
+          <a:p>
+            <a:r>
+              <a:rPr kumimoji="1" lang="en-US" altLang="zh-CN"/>
+              <a:t>Use the dummy distance to implement the K-medoids clustering.</a:t>
+            </a:r>
+          </a:p>
+          <a:p>
+            <a:r>
+              <a:rPr kumimoji="1" lang="en-US" altLang="zh-CN"/>
+              <a:t>Problems:</a:t>
+            </a:r>
+          </a:p>
+          <a:p>
+            <a:pPr lvl="1"/>
+            <a:r>
+              <a:rPr kumimoji="1" lang="en-US" altLang="zh-CN"/>
+              <a:t>The matrix n[i][j] is very sparse.</a:t>
+            </a:r>
+          </a:p>
+          <a:p>
+            <a:pPr lvl="1"/>
+            <a:r>
+              <a:rPr kumimoji="1" lang="en-US" altLang="zh-CN"/>
+              <a:t>Step 2 of K-medoids clustering: Assign each point to the nearest center.</a:t>
+            </a:r>
+          </a:p>
+          <a:p>
+            <a:pPr lvl="1"/>
+            <a:r>
+              <a:rPr kumimoji="1" lang="en-US" altLang="zh-CN"/>
+              <a:t>In most cases, distance between one point to selected medoids is distance[i][j] = max{n[i][j] | i ≠ j}</a:t>
+            </a:r>
+          </a:p>
+          <a:p>
+            <a:pPr lvl="1"/>
+            <a:endParaRPr kumimoji="1" lang="en-US" altLang="zh-CN"/>
+          </a:p>
+        </p:txBody>
+      </p:sp>
+    </p:spTree>
+    <p:extLst>
+      <p:ext uri="{BB962C8B-B14F-4D97-AF65-F5344CB8AC3E}">
+        <p14:creationId xmlns:p14="http://schemas.microsoft.com/office/powerpoint/2010/main" val="1652326866"/>
       </p:ext>
     </p:extLst>
   </p:cSld>

--- a/Grid Network Experienments 2.pptx
+++ b/Grid Network Experienments 2.pptx
@@ -5,20 +5,22 @@
     <p:sldMasterId id="2147483648" r:id="rId1"/>
   </p:sldMasterIdLst>
   <p:notesMasterIdLst>
-    <p:notesMasterId r:id="rId13"/>
+    <p:notesMasterId r:id="rId15"/>
   </p:notesMasterIdLst>
   <p:sldIdLst>
     <p:sldId id="256" r:id="rId2"/>
     <p:sldId id="269" r:id="rId3"/>
     <p:sldId id="280" r:id="rId4"/>
     <p:sldId id="271" r:id="rId5"/>
-    <p:sldId id="274" r:id="rId6"/>
-    <p:sldId id="275" r:id="rId7"/>
-    <p:sldId id="276" r:id="rId8"/>
-    <p:sldId id="272" r:id="rId9"/>
-    <p:sldId id="278" r:id="rId10"/>
-    <p:sldId id="279" r:id="rId11"/>
-    <p:sldId id="281" r:id="rId12"/>
+    <p:sldId id="282" r:id="rId6"/>
+    <p:sldId id="283" r:id="rId7"/>
+    <p:sldId id="274" r:id="rId8"/>
+    <p:sldId id="275" r:id="rId9"/>
+    <p:sldId id="276" r:id="rId10"/>
+    <p:sldId id="272" r:id="rId11"/>
+    <p:sldId id="278" r:id="rId12"/>
+    <p:sldId id="279" r:id="rId13"/>
+    <p:sldId id="281" r:id="rId14"/>
   </p:sldIdLst>
   <p:sldSz cx="12192000" cy="6858000"/>
   <p:notesSz cx="6858000" cy="9144000"/>
@@ -207,7 +209,7 @@
           <a:p>
             <a:fld id="{C474165D-EA76-B843-BA22-125360274E71}" type="datetimeFigureOut">
               <a:rPr kumimoji="1" lang="zh-CN" altLang="en-US" smtClean="0"/>
-              <a:t>2021/10/7</a:t>
+              <a:t>2021/10/9</a:t>
             </a:fld>
             <a:endParaRPr kumimoji="1" lang="zh-CN" altLang="en-US"/>
           </a:p>
@@ -539,7 +541,7 @@
           <a:p>
             <a:fld id="{82EC0727-F3BD-954F-8B54-65D706569C73}" type="slidenum">
               <a:rPr kumimoji="1" lang="zh-CN" altLang="en-US" smtClean="0"/>
-              <a:t>11</a:t>
+              <a:t>13</a:t>
             </a:fld>
             <a:endParaRPr kumimoji="1" lang="zh-CN" altLang="en-US"/>
           </a:p>
@@ -705,7 +707,7 @@
           <a:p>
             <a:fld id="{9E0703CF-013D-2742-B85D-75367043BA56}" type="datetimeFigureOut">
               <a:rPr kumimoji="1" lang="zh-CN" altLang="en-US" smtClean="0"/>
-              <a:t>2021/10/7</a:t>
+              <a:t>2021/10/9</a:t>
             </a:fld>
             <a:endParaRPr kumimoji="1" lang="zh-CN" altLang="en-US"/>
           </a:p>
@@ -903,7 +905,7 @@
           <a:p>
             <a:fld id="{9E0703CF-013D-2742-B85D-75367043BA56}" type="datetimeFigureOut">
               <a:rPr kumimoji="1" lang="zh-CN" altLang="en-US" smtClean="0"/>
-              <a:t>2021/10/7</a:t>
+              <a:t>2021/10/9</a:t>
             </a:fld>
             <a:endParaRPr kumimoji="1" lang="zh-CN" altLang="en-US"/>
           </a:p>
@@ -1111,7 +1113,7 @@
           <a:p>
             <a:fld id="{9E0703CF-013D-2742-B85D-75367043BA56}" type="datetimeFigureOut">
               <a:rPr kumimoji="1" lang="zh-CN" altLang="en-US" smtClean="0"/>
-              <a:t>2021/10/7</a:t>
+              <a:t>2021/10/9</a:t>
             </a:fld>
             <a:endParaRPr kumimoji="1" lang="zh-CN" altLang="en-US"/>
           </a:p>
@@ -1309,7 +1311,7 @@
           <a:p>
             <a:fld id="{9E0703CF-013D-2742-B85D-75367043BA56}" type="datetimeFigureOut">
               <a:rPr kumimoji="1" lang="zh-CN" altLang="en-US" smtClean="0"/>
-              <a:t>2021/10/7</a:t>
+              <a:t>2021/10/9</a:t>
             </a:fld>
             <a:endParaRPr kumimoji="1" lang="zh-CN" altLang="en-US"/>
           </a:p>
@@ -1584,7 +1586,7 @@
           <a:p>
             <a:fld id="{9E0703CF-013D-2742-B85D-75367043BA56}" type="datetimeFigureOut">
               <a:rPr kumimoji="1" lang="zh-CN" altLang="en-US" smtClean="0"/>
-              <a:t>2021/10/7</a:t>
+              <a:t>2021/10/9</a:t>
             </a:fld>
             <a:endParaRPr kumimoji="1" lang="zh-CN" altLang="en-US"/>
           </a:p>
@@ -1849,7 +1851,7 @@
           <a:p>
             <a:fld id="{9E0703CF-013D-2742-B85D-75367043BA56}" type="datetimeFigureOut">
               <a:rPr kumimoji="1" lang="zh-CN" altLang="en-US" smtClean="0"/>
-              <a:t>2021/10/7</a:t>
+              <a:t>2021/10/9</a:t>
             </a:fld>
             <a:endParaRPr kumimoji="1" lang="zh-CN" altLang="en-US"/>
           </a:p>
@@ -2261,7 +2263,7 @@
           <a:p>
             <a:fld id="{9E0703CF-013D-2742-B85D-75367043BA56}" type="datetimeFigureOut">
               <a:rPr kumimoji="1" lang="zh-CN" altLang="en-US" smtClean="0"/>
-              <a:t>2021/10/7</a:t>
+              <a:t>2021/10/9</a:t>
             </a:fld>
             <a:endParaRPr kumimoji="1" lang="zh-CN" altLang="en-US"/>
           </a:p>
@@ -2402,7 +2404,7 @@
           <a:p>
             <a:fld id="{9E0703CF-013D-2742-B85D-75367043BA56}" type="datetimeFigureOut">
               <a:rPr kumimoji="1" lang="zh-CN" altLang="en-US" smtClean="0"/>
-              <a:t>2021/10/7</a:t>
+              <a:t>2021/10/9</a:t>
             </a:fld>
             <a:endParaRPr kumimoji="1" lang="zh-CN" altLang="en-US"/>
           </a:p>
@@ -2515,7 +2517,7 @@
           <a:p>
             <a:fld id="{9E0703CF-013D-2742-B85D-75367043BA56}" type="datetimeFigureOut">
               <a:rPr kumimoji="1" lang="zh-CN" altLang="en-US" smtClean="0"/>
-              <a:t>2021/10/7</a:t>
+              <a:t>2021/10/9</a:t>
             </a:fld>
             <a:endParaRPr kumimoji="1" lang="zh-CN" altLang="en-US"/>
           </a:p>
@@ -2826,7 +2828,7 @@
           <a:p>
             <a:fld id="{9E0703CF-013D-2742-B85D-75367043BA56}" type="datetimeFigureOut">
               <a:rPr kumimoji="1" lang="zh-CN" altLang="en-US" smtClean="0"/>
-              <a:t>2021/10/7</a:t>
+              <a:t>2021/10/9</a:t>
             </a:fld>
             <a:endParaRPr kumimoji="1" lang="zh-CN" altLang="en-US"/>
           </a:p>
@@ -3114,7 +3116,7 @@
           <a:p>
             <a:fld id="{9E0703CF-013D-2742-B85D-75367043BA56}" type="datetimeFigureOut">
               <a:rPr kumimoji="1" lang="zh-CN" altLang="en-US" smtClean="0"/>
-              <a:t>2021/10/7</a:t>
+              <a:t>2021/10/9</a:t>
             </a:fld>
             <a:endParaRPr kumimoji="1" lang="zh-CN" altLang="en-US"/>
           </a:p>
@@ -3355,7 +3357,7 @@
           <a:p>
             <a:fld id="{9E0703CF-013D-2742-B85D-75367043BA56}" type="datetimeFigureOut">
               <a:rPr kumimoji="1" lang="zh-CN" altLang="en-US" smtClean="0"/>
-              <a:t>2021/10/7</a:t>
+              <a:t>2021/10/9</a:t>
             </a:fld>
             <a:endParaRPr kumimoji="1" lang="zh-CN" altLang="en-US"/>
           </a:p>
@@ -3838,7 +3840,7 @@
           <a:p>
             <a:fld id="{B4F26AAF-4606-EA46-91F3-16F8CEF58196}" type="datetime1">
               <a:rPr kumimoji="1" lang="zh-CN" altLang="en-US" smtClean="0"/>
-              <a:t>2021/10/7</a:t>
+              <a:t>2021/10/9</a:t>
             </a:fld>
             <a:endParaRPr kumimoji="1" lang="zh-CN" altLang="en-US" dirty="0"/>
           </a:p>
@@ -3879,6 +3881,270 @@
           <p:cNvPr id="2" name="标题 1">
             <a:extLst>
               <a:ext uri="{FF2B5EF4-FFF2-40B4-BE49-F238E27FC236}">
+                <a16:creationId xmlns:a16="http://schemas.microsoft.com/office/drawing/2014/main" id="{4F68B799-EDB2-C448-A23E-FADA3EFDA1BD}"/>
+              </a:ext>
+            </a:extLst>
+          </p:cNvPr>
+          <p:cNvSpPr>
+            <a:spLocks noGrp="1"/>
+          </p:cNvSpPr>
+          <p:nvPr>
+            <p:ph type="title"/>
+          </p:nvPr>
+        </p:nvSpPr>
+        <p:spPr/>
+        <p:txBody>
+          <a:bodyPr/>
+          <a:lstStyle/>
+          <a:p>
+            <a:r>
+              <a:rPr kumimoji="1" lang="en-US" altLang="zh-CN"/>
+              <a:t>Type of Clustering</a:t>
+            </a:r>
+            <a:endParaRPr kumimoji="1" lang="zh-CN" altLang="en-US"/>
+          </a:p>
+        </p:txBody>
+      </p:sp>
+      <p:sp>
+        <p:nvSpPr>
+          <p:cNvPr id="3" name="内容占位符 2">
+            <a:extLst>
+              <a:ext uri="{FF2B5EF4-FFF2-40B4-BE49-F238E27FC236}">
+                <a16:creationId xmlns:a16="http://schemas.microsoft.com/office/drawing/2014/main" id="{7C33B803-0AFD-3342-B327-6EBCAC92E413}"/>
+              </a:ext>
+            </a:extLst>
+          </p:cNvPr>
+          <p:cNvSpPr>
+            <a:spLocks noGrp="1"/>
+          </p:cNvSpPr>
+          <p:nvPr>
+            <p:ph idx="1"/>
+          </p:nvPr>
+        </p:nvSpPr>
+        <p:spPr/>
+        <p:txBody>
+          <a:bodyPr/>
+          <a:lstStyle/>
+          <a:p>
+            <a:r>
+              <a:rPr kumimoji="1" lang="en" altLang="zh-CN"/>
+              <a:t>Broadly speaking, clustering can be divided into two subgroups:</a:t>
+            </a:r>
+          </a:p>
+          <a:p>
+            <a:r>
+              <a:rPr kumimoji="1" lang="en" altLang="zh-CN"/>
+              <a:t>Hard Clustering: In hard clustering, each data point either belongs to a cluster completely or not.</a:t>
+            </a:r>
+          </a:p>
+          <a:p>
+            <a:r>
+              <a:rPr kumimoji="1" lang="en" altLang="zh-CN"/>
+              <a:t>Soft Clustering: In soft clustering, instead of putting each data point into a separate cluster, a probability or likelihood of that data point to be in those clusters is assigned.</a:t>
+            </a:r>
+            <a:endParaRPr kumimoji="1" lang="zh-CN" altLang="en-US"/>
+          </a:p>
+        </p:txBody>
+      </p:sp>
+      <p:pic>
+        <p:nvPicPr>
+          <p:cNvPr id="2050" name="Picture 2" descr="A Friendly Introduction to Text Clustering | by Korbinian Koch | Towards  Data Science">
+            <a:extLst>
+              <a:ext uri="{FF2B5EF4-FFF2-40B4-BE49-F238E27FC236}">
+                <a16:creationId xmlns:a16="http://schemas.microsoft.com/office/drawing/2014/main" id="{7B25D5F3-FACF-BD41-9A79-337063D9960F}"/>
+              </a:ext>
+            </a:extLst>
+          </p:cNvPr>
+          <p:cNvPicPr>
+            <a:picLocks noChangeAspect="1" noChangeArrowheads="1"/>
+          </p:cNvPicPr>
+          <p:nvPr/>
+        </p:nvPicPr>
+        <p:blipFill>
+          <a:blip r:embed="rId2">
+            <a:extLst>
+              <a:ext uri="{28A0092B-C50C-407E-A947-70E740481C1C}">
+                <a14:useLocalDpi xmlns:a14="http://schemas.microsoft.com/office/drawing/2010/main" val="0"/>
+              </a:ext>
+            </a:extLst>
+          </a:blip>
+          <a:srcRect/>
+          <a:stretch>
+            <a:fillRect/>
+          </a:stretch>
+        </p:blipFill>
+        <p:spPr bwMode="auto">
+          <a:xfrm>
+            <a:off x="4032250" y="4524375"/>
+            <a:ext cx="4127500" cy="1968500"/>
+          </a:xfrm>
+          <a:prstGeom prst="rect">
+            <a:avLst/>
+          </a:prstGeom>
+          <a:noFill/>
+          <a:extLst>
+            <a:ext uri="{909E8E84-426E-40DD-AFC4-6F175D3DCCD1}">
+              <a14:hiddenFill xmlns:a14="http://schemas.microsoft.com/office/drawing/2010/main">
+                <a:solidFill>
+                  <a:srgbClr val="FFFFFF"/>
+                </a:solidFill>
+              </a14:hiddenFill>
+            </a:ext>
+          </a:extLst>
+        </p:spPr>
+      </p:pic>
+    </p:spTree>
+    <p:extLst>
+      <p:ext uri="{BB962C8B-B14F-4D97-AF65-F5344CB8AC3E}">
+        <p14:creationId xmlns:p14="http://schemas.microsoft.com/office/powerpoint/2010/main" val="2964995721"/>
+      </p:ext>
+    </p:extLst>
+  </p:cSld>
+  <p:clrMapOvr>
+    <a:masterClrMapping/>
+  </p:clrMapOvr>
+</p:sld>
+</file>
+
+<file path=ppt/slides/slide11.xml><?xml version="1.0" encoding="utf-8"?>
+<p:sld xmlns:a="http://schemas.openxmlformats.org/drawingml/2006/main" xmlns:r="http://schemas.openxmlformats.org/officeDocument/2006/relationships" xmlns:p="http://schemas.openxmlformats.org/presentationml/2006/main">
+  <p:cSld>
+    <p:spTree>
+      <p:nvGrpSpPr>
+        <p:cNvPr id="1" name=""/>
+        <p:cNvGrpSpPr/>
+        <p:nvPr/>
+      </p:nvGrpSpPr>
+      <p:grpSpPr>
+        <a:xfrm>
+          <a:off x="0" y="0"/>
+          <a:ext cx="0" cy="0"/>
+          <a:chOff x="0" y="0"/>
+          <a:chExt cx="0" cy="0"/>
+        </a:xfrm>
+      </p:grpSpPr>
+      <p:sp>
+        <p:nvSpPr>
+          <p:cNvPr id="2" name="标题 1">
+            <a:extLst>
+              <a:ext uri="{FF2B5EF4-FFF2-40B4-BE49-F238E27FC236}">
+                <a16:creationId xmlns:a16="http://schemas.microsoft.com/office/drawing/2014/main" id="{BA5FCD68-F2F5-F946-80E9-16E0E9FE18A1}"/>
+              </a:ext>
+            </a:extLst>
+          </p:cNvPr>
+          <p:cNvSpPr>
+            <a:spLocks noGrp="1"/>
+          </p:cNvSpPr>
+          <p:nvPr>
+            <p:ph type="title"/>
+          </p:nvPr>
+        </p:nvSpPr>
+        <p:spPr/>
+        <p:txBody>
+          <a:bodyPr/>
+          <a:lstStyle/>
+          <a:p>
+            <a:r>
+              <a:rPr kumimoji="1" lang="en-US" altLang="zh-CN"/>
+              <a:t>Fuzzy Clustering</a:t>
+            </a:r>
+            <a:endParaRPr kumimoji="1" lang="zh-CN" altLang="en-US"/>
+          </a:p>
+        </p:txBody>
+      </p:sp>
+      <p:pic>
+        <p:nvPicPr>
+          <p:cNvPr id="6" name="内容占位符 5">
+            <a:extLst>
+              <a:ext uri="{FF2B5EF4-FFF2-40B4-BE49-F238E27FC236}">
+                <a16:creationId xmlns:a16="http://schemas.microsoft.com/office/drawing/2014/main" id="{E469642D-708D-7040-B61F-D88B66929F3C}"/>
+              </a:ext>
+            </a:extLst>
+          </p:cNvPr>
+          <p:cNvPicPr>
+            <a:picLocks noGrp="1" noChangeAspect="1"/>
+          </p:cNvPicPr>
+          <p:nvPr>
+            <p:ph sz="half" idx="1"/>
+          </p:nvPr>
+        </p:nvPicPr>
+        <p:blipFill>
+          <a:blip r:embed="rId2"/>
+          <a:stretch>
+            <a:fillRect/>
+          </a:stretch>
+        </p:blipFill>
+        <p:spPr>
+          <a:xfrm>
+            <a:off x="838200" y="2058194"/>
+            <a:ext cx="5181600" cy="3886200"/>
+          </a:xfrm>
+        </p:spPr>
+      </p:pic>
+      <p:pic>
+        <p:nvPicPr>
+          <p:cNvPr id="8" name="内容占位符 7">
+            <a:extLst>
+              <a:ext uri="{FF2B5EF4-FFF2-40B4-BE49-F238E27FC236}">
+                <a16:creationId xmlns:a16="http://schemas.microsoft.com/office/drawing/2014/main" id="{B9BA6A5A-74A6-234C-BBB0-5B61E2E4E210}"/>
+              </a:ext>
+            </a:extLst>
+          </p:cNvPr>
+          <p:cNvPicPr>
+            <a:picLocks noGrp="1" noChangeAspect="1"/>
+          </p:cNvPicPr>
+          <p:nvPr>
+            <p:ph sz="half" idx="2"/>
+          </p:nvPr>
+        </p:nvPicPr>
+        <p:blipFill>
+          <a:blip r:embed="rId3"/>
+          <a:stretch>
+            <a:fillRect/>
+          </a:stretch>
+        </p:blipFill>
+        <p:spPr>
+          <a:xfrm>
+            <a:off x="6172200" y="2058194"/>
+            <a:ext cx="5181600" cy="3886200"/>
+          </a:xfrm>
+        </p:spPr>
+      </p:pic>
+    </p:spTree>
+    <p:extLst>
+      <p:ext uri="{BB962C8B-B14F-4D97-AF65-F5344CB8AC3E}">
+        <p14:creationId xmlns:p14="http://schemas.microsoft.com/office/powerpoint/2010/main" val="3274304036"/>
+      </p:ext>
+    </p:extLst>
+  </p:cSld>
+  <p:clrMapOvr>
+    <a:masterClrMapping/>
+  </p:clrMapOvr>
+</p:sld>
+</file>
+
+<file path=ppt/slides/slide12.xml><?xml version="1.0" encoding="utf-8"?>
+<p:sld xmlns:a="http://schemas.openxmlformats.org/drawingml/2006/main" xmlns:r="http://schemas.openxmlformats.org/officeDocument/2006/relationships" xmlns:p="http://schemas.openxmlformats.org/presentationml/2006/main">
+  <p:cSld>
+    <p:spTree>
+      <p:nvGrpSpPr>
+        <p:cNvPr id="1" name=""/>
+        <p:cNvGrpSpPr/>
+        <p:nvPr/>
+      </p:nvGrpSpPr>
+      <p:grpSpPr>
+        <a:xfrm>
+          <a:off x="0" y="0"/>
+          <a:ext cx="0" cy="0"/>
+          <a:chOff x="0" y="0"/>
+          <a:chExt cx="0" cy="0"/>
+        </a:xfrm>
+      </p:grpSpPr>
+      <p:sp>
+        <p:nvSpPr>
+          <p:cNvPr id="2" name="标题 1">
+            <a:extLst>
+              <a:ext uri="{FF2B5EF4-FFF2-40B4-BE49-F238E27FC236}">
                 <a16:creationId xmlns:a16="http://schemas.microsoft.com/office/drawing/2014/main" id="{052E1AAD-5B80-2742-8EF2-D7CB2877733C}"/>
               </a:ext>
             </a:extLst>
@@ -3986,7 +4252,7 @@
 </p:sld>
 </file>
 
-<file path=ppt/slides/slide11.xml><?xml version="1.0" encoding="utf-8"?>
+<file path=ppt/slides/slide13.xml><?xml version="1.0" encoding="utf-8"?>
 <p:sld xmlns:a="http://schemas.openxmlformats.org/drawingml/2006/main" xmlns:r="http://schemas.openxmlformats.org/officeDocument/2006/relationships" xmlns:p="http://schemas.openxmlformats.org/presentationml/2006/main">
   <p:cSld>
     <p:spTree>
@@ -4529,6 +4795,321 @@
           <p:cNvPr id="2" name="标题 1">
             <a:extLst>
               <a:ext uri="{FF2B5EF4-FFF2-40B4-BE49-F238E27FC236}">
+                <a16:creationId xmlns:a16="http://schemas.microsoft.com/office/drawing/2014/main" id="{6F39C262-BCCC-C945-9EB4-1F2BBD7A3A2E}"/>
+              </a:ext>
+            </a:extLst>
+          </p:cNvPr>
+          <p:cNvSpPr>
+            <a:spLocks noGrp="1"/>
+          </p:cNvSpPr>
+          <p:nvPr>
+            <p:ph type="title"/>
+          </p:nvPr>
+        </p:nvSpPr>
+        <p:spPr/>
+        <p:txBody>
+          <a:bodyPr/>
+          <a:lstStyle/>
+          <a:p>
+            <a:r>
+              <a:rPr lang="en" altLang="zh-CN"/>
+              <a:t>Bipartite Graph</a:t>
+            </a:r>
+            <a:endParaRPr kumimoji="1" lang="zh-CN" altLang="en-US"/>
+          </a:p>
+        </p:txBody>
+      </p:sp>
+      <p:sp>
+        <p:nvSpPr>
+          <p:cNvPr id="5" name="内容占位符 4">
+            <a:extLst>
+              <a:ext uri="{FF2B5EF4-FFF2-40B4-BE49-F238E27FC236}">
+                <a16:creationId xmlns:a16="http://schemas.microsoft.com/office/drawing/2014/main" id="{043C0288-0CB4-CA40-B1D7-5004D96A8B0C}"/>
+              </a:ext>
+            </a:extLst>
+          </p:cNvPr>
+          <p:cNvSpPr>
+            <a:spLocks noGrp="1"/>
+          </p:cNvSpPr>
+          <p:nvPr>
+            <p:ph sz="half" idx="1"/>
+          </p:nvPr>
+        </p:nvSpPr>
+        <p:spPr/>
+        <p:txBody>
+          <a:bodyPr/>
+          <a:lstStyle/>
+          <a:p>
+            <a:r>
+              <a:rPr kumimoji="1" lang="en-US" altLang="zh-CN"/>
+              <a:t>Assumption:</a:t>
+            </a:r>
+          </a:p>
+          <a:p>
+            <a:pPr lvl="1"/>
+            <a:r>
+              <a:rPr kumimoji="1" lang="en-US" altLang="zh-CN"/>
+              <a:t>If OD A was matched with OD B and OD B was matched with OD C in the past, we assume OD A has a relatively larger probability of being matched with OD C.</a:t>
+            </a:r>
+          </a:p>
+          <a:p>
+            <a:endParaRPr kumimoji="1" lang="zh-CN" altLang="en-US"/>
+          </a:p>
+        </p:txBody>
+      </p:sp>
+      <p:pic>
+        <p:nvPicPr>
+          <p:cNvPr id="7" name="Picture 2">
+            <a:extLst>
+              <a:ext uri="{FF2B5EF4-FFF2-40B4-BE49-F238E27FC236}">
+                <a16:creationId xmlns:a16="http://schemas.microsoft.com/office/drawing/2014/main" id="{C12DF501-45E6-9842-AFDD-C120D893AEA0}"/>
+              </a:ext>
+            </a:extLst>
+          </p:cNvPr>
+          <p:cNvPicPr>
+            <a:picLocks noGrp="1" noChangeAspect="1" noChangeArrowheads="1"/>
+          </p:cNvPicPr>
+          <p:nvPr>
+            <p:ph sz="half" idx="2"/>
+          </p:nvPr>
+        </p:nvPicPr>
+        <p:blipFill>
+          <a:blip r:embed="rId2">
+            <a:extLst>
+              <a:ext uri="{28A0092B-C50C-407E-A947-70E740481C1C}">
+                <a14:useLocalDpi xmlns:a14="http://schemas.microsoft.com/office/drawing/2010/main" val="0"/>
+              </a:ext>
+            </a:extLst>
+          </a:blip>
+          <a:stretch>
+            <a:fillRect/>
+          </a:stretch>
+        </p:blipFill>
+        <p:spPr bwMode="auto">
+          <a:xfrm>
+            <a:off x="7428753" y="2388394"/>
+            <a:ext cx="3225800" cy="3225800"/>
+          </a:xfrm>
+          <a:prstGeom prst="rect">
+            <a:avLst/>
+          </a:prstGeom>
+          <a:noFill/>
+          <a:extLst>
+            <a:ext uri="{909E8E84-426E-40DD-AFC4-6F175D3DCCD1}">
+              <a14:hiddenFill xmlns:a14="http://schemas.microsoft.com/office/drawing/2010/main">
+                <a:solidFill>
+                  <a:srgbClr val="FFFFFF"/>
+                </a:solidFill>
+              </a14:hiddenFill>
+            </a:ext>
+          </a:extLst>
+        </p:spPr>
+      </p:pic>
+    </p:spTree>
+    <p:extLst>
+      <p:ext uri="{BB962C8B-B14F-4D97-AF65-F5344CB8AC3E}">
+        <p14:creationId xmlns:p14="http://schemas.microsoft.com/office/powerpoint/2010/main" val="2507166642"/>
+      </p:ext>
+    </p:extLst>
+  </p:cSld>
+  <p:clrMapOvr>
+    <a:masterClrMapping/>
+  </p:clrMapOvr>
+</p:sld>
+</file>
+
+<file path=ppt/slides/slide6.xml><?xml version="1.0" encoding="utf-8"?>
+<p:sld xmlns:a="http://schemas.openxmlformats.org/drawingml/2006/main" xmlns:r="http://schemas.openxmlformats.org/officeDocument/2006/relationships" xmlns:p="http://schemas.openxmlformats.org/presentationml/2006/main">
+  <p:cSld>
+    <p:spTree>
+      <p:nvGrpSpPr>
+        <p:cNvPr id="1" name=""/>
+        <p:cNvGrpSpPr/>
+        <p:nvPr/>
+      </p:nvGrpSpPr>
+      <p:grpSpPr>
+        <a:xfrm>
+          <a:off x="0" y="0"/>
+          <a:ext cx="0" cy="0"/>
+          <a:chOff x="0" y="0"/>
+          <a:chExt cx="0" cy="0"/>
+        </a:xfrm>
+      </p:grpSpPr>
+      <p:sp>
+        <p:nvSpPr>
+          <p:cNvPr id="2" name="标题 1">
+            <a:extLst>
+              <a:ext uri="{FF2B5EF4-FFF2-40B4-BE49-F238E27FC236}">
+                <a16:creationId xmlns:a16="http://schemas.microsoft.com/office/drawing/2014/main" id="{D97D794A-FEF6-6E4F-A0EB-833A249D8193}"/>
+              </a:ext>
+            </a:extLst>
+          </p:cNvPr>
+          <p:cNvSpPr>
+            <a:spLocks noGrp="1"/>
+          </p:cNvSpPr>
+          <p:nvPr>
+            <p:ph type="title"/>
+          </p:nvPr>
+        </p:nvSpPr>
+        <p:spPr/>
+        <p:txBody>
+          <a:bodyPr/>
+          <a:lstStyle/>
+          <a:p>
+            <a:r>
+              <a:rPr kumimoji="1" lang="en-US" altLang="zh-CN"/>
+              <a:t>Algorithm</a:t>
+            </a:r>
+            <a:endParaRPr kumimoji="1" lang="zh-CN" altLang="en-US"/>
+          </a:p>
+        </p:txBody>
+      </p:sp>
+      <p:sp>
+        <p:nvSpPr>
+          <p:cNvPr id="3" name="内容占位符 2">
+            <a:extLst>
+              <a:ext uri="{FF2B5EF4-FFF2-40B4-BE49-F238E27FC236}">
+                <a16:creationId xmlns:a16="http://schemas.microsoft.com/office/drawing/2014/main" id="{3339B312-9B95-1443-BD56-BD629F0FCEC8}"/>
+              </a:ext>
+            </a:extLst>
+          </p:cNvPr>
+          <p:cNvSpPr>
+            <a:spLocks noGrp="1"/>
+          </p:cNvSpPr>
+          <p:nvPr>
+            <p:ph sz="half" idx="1"/>
+          </p:nvPr>
+        </p:nvSpPr>
+        <p:spPr/>
+        <p:txBody>
+          <a:bodyPr/>
+          <a:lstStyle/>
+          <a:p>
+            <a:r>
+              <a:rPr kumimoji="1" lang="en-US" altLang="zh-CN"/>
+              <a:t>Initial value: C</a:t>
+            </a:r>
+            <a:r>
+              <a:rPr kumimoji="1" lang="en-US" altLang="zh-CN" baseline="-25000"/>
+              <a:t>0</a:t>
+            </a:r>
+            <a:r>
+              <a:rPr kumimoji="1" lang="en-US" altLang="zh-CN"/>
+              <a:t>, from simulation data</a:t>
+            </a:r>
+          </a:p>
+          <a:p>
+            <a:r>
+              <a:rPr kumimoji="1" lang="en-US" altLang="zh-CN"/>
+              <a:t>Spread: C</a:t>
+            </a:r>
+            <a:r>
+              <a:rPr kumimoji="1" lang="en-US" altLang="zh-CN" baseline="-25000"/>
+              <a:t>P</a:t>
+            </a:r>
+            <a:r>
+              <a:rPr kumimoji="1" lang="en-US" altLang="zh-CN"/>
+              <a:t> = W</a:t>
+            </a:r>
+            <a:r>
+              <a:rPr kumimoji="1" lang="en-US" altLang="zh-CN" baseline="30000"/>
+              <a:t>P</a:t>
+            </a:r>
+            <a:r>
+              <a:rPr kumimoji="1" lang="en-US" altLang="zh-CN"/>
+              <a:t>C</a:t>
+            </a:r>
+            <a:r>
+              <a:rPr kumimoji="1" lang="en-US" altLang="zh-CN" baseline="-25000"/>
+              <a:t>0</a:t>
+            </a:r>
+          </a:p>
+        </p:txBody>
+      </p:sp>
+      <p:pic>
+        <p:nvPicPr>
+          <p:cNvPr id="2050" name="Picture 2">
+            <a:extLst>
+              <a:ext uri="{FF2B5EF4-FFF2-40B4-BE49-F238E27FC236}">
+                <a16:creationId xmlns:a16="http://schemas.microsoft.com/office/drawing/2014/main" id="{FFFC1497-2991-A548-AFE5-C25C6B648D70}"/>
+              </a:ext>
+            </a:extLst>
+          </p:cNvPr>
+          <p:cNvPicPr>
+            <a:picLocks noGrp="1" noChangeAspect="1" noChangeArrowheads="1"/>
+          </p:cNvPicPr>
+          <p:nvPr>
+            <p:ph sz="half" idx="2"/>
+          </p:nvPr>
+        </p:nvPicPr>
+        <p:blipFill>
+          <a:blip r:embed="rId2">
+            <a:extLst>
+              <a:ext uri="{28A0092B-C50C-407E-A947-70E740481C1C}">
+                <a14:useLocalDpi xmlns:a14="http://schemas.microsoft.com/office/drawing/2010/main" val="0"/>
+              </a:ext>
+            </a:extLst>
+          </a:blip>
+          <a:srcRect/>
+          <a:stretch>
+            <a:fillRect/>
+          </a:stretch>
+        </p:blipFill>
+        <p:spPr bwMode="auto">
+          <a:xfrm>
+            <a:off x="5015754" y="1690688"/>
+            <a:ext cx="6052670" cy="4129152"/>
+          </a:xfrm>
+          <a:prstGeom prst="rect">
+            <a:avLst/>
+          </a:prstGeom>
+          <a:noFill/>
+          <a:extLst>
+            <a:ext uri="{909E8E84-426E-40DD-AFC4-6F175D3DCCD1}">
+              <a14:hiddenFill xmlns:a14="http://schemas.microsoft.com/office/drawing/2010/main">
+                <a:solidFill>
+                  <a:srgbClr val="FFFFFF"/>
+                </a:solidFill>
+              </a14:hiddenFill>
+            </a:ext>
+          </a:extLst>
+        </p:spPr>
+      </p:pic>
+    </p:spTree>
+    <p:extLst>
+      <p:ext uri="{BB962C8B-B14F-4D97-AF65-F5344CB8AC3E}">
+        <p14:creationId xmlns:p14="http://schemas.microsoft.com/office/powerpoint/2010/main" val="2916497739"/>
+      </p:ext>
+    </p:extLst>
+  </p:cSld>
+  <p:clrMapOvr>
+    <a:masterClrMapping/>
+  </p:clrMapOvr>
+</p:sld>
+</file>
+
+<file path=ppt/slides/slide7.xml><?xml version="1.0" encoding="utf-8"?>
+<p:sld xmlns:a="http://schemas.openxmlformats.org/drawingml/2006/main" xmlns:r="http://schemas.openxmlformats.org/officeDocument/2006/relationships" xmlns:p="http://schemas.openxmlformats.org/presentationml/2006/main">
+  <p:cSld>
+    <p:spTree>
+      <p:nvGrpSpPr>
+        <p:cNvPr id="1" name=""/>
+        <p:cNvGrpSpPr/>
+        <p:nvPr/>
+      </p:nvGrpSpPr>
+      <p:grpSpPr>
+        <a:xfrm>
+          <a:off x="0" y="0"/>
+          <a:ext cx="0" cy="0"/>
+          <a:chOff x="0" y="0"/>
+          <a:chExt cx="0" cy="0"/>
+        </a:xfrm>
+      </p:grpSpPr>
+      <p:sp>
+        <p:nvSpPr>
+          <p:cNvPr id="2" name="标题 1">
+            <a:extLst>
+              <a:ext uri="{FF2B5EF4-FFF2-40B4-BE49-F238E27FC236}">
                 <a16:creationId xmlns:a16="http://schemas.microsoft.com/office/drawing/2014/main" id="{C0D9670E-8772-DA44-86D8-432F12CA3932}"/>
               </a:ext>
             </a:extLst>
@@ -4685,7 +5266,7 @@
 </p:sld>
 </file>
 
-<file path=ppt/slides/slide6.xml><?xml version="1.0" encoding="utf-8"?>
+<file path=ppt/slides/slide8.xml><?xml version="1.0" encoding="utf-8"?>
 <p:sld xmlns:a="http://schemas.openxmlformats.org/drawingml/2006/main" xmlns:r="http://schemas.openxmlformats.org/officeDocument/2006/relationships" xmlns:p="http://schemas.openxmlformats.org/presentationml/2006/main">
   <p:cSld>
     <p:spTree>
@@ -4865,260 +5446,6 @@
 </p:sld>
 </file>
 
-<file path=ppt/slides/slide7.xml><?xml version="1.0" encoding="utf-8"?>
-<p:sld xmlns:a="http://schemas.openxmlformats.org/drawingml/2006/main" xmlns:r="http://schemas.openxmlformats.org/officeDocument/2006/relationships" xmlns:p="http://schemas.openxmlformats.org/presentationml/2006/main">
-  <p:cSld>
-    <p:spTree>
-      <p:nvGrpSpPr>
-        <p:cNvPr id="1" name=""/>
-        <p:cNvGrpSpPr/>
-        <p:nvPr/>
-      </p:nvGrpSpPr>
-      <p:grpSpPr>
-        <a:xfrm>
-          <a:off x="0" y="0"/>
-          <a:ext cx="0" cy="0"/>
-          <a:chOff x="0" y="0"/>
-          <a:chExt cx="0" cy="0"/>
-        </a:xfrm>
-      </p:grpSpPr>
-      <p:sp>
-        <p:nvSpPr>
-          <p:cNvPr id="2" name="标题 1">
-            <a:extLst>
-              <a:ext uri="{FF2B5EF4-FFF2-40B4-BE49-F238E27FC236}">
-                <a16:creationId xmlns:a16="http://schemas.microsoft.com/office/drawing/2014/main" id="{358F7A91-4708-7945-8BA6-0A90BB32DA6A}"/>
-              </a:ext>
-            </a:extLst>
-          </p:cNvPr>
-          <p:cNvSpPr>
-            <a:spLocks noGrp="1"/>
-          </p:cNvSpPr>
-          <p:nvPr>
-            <p:ph type="title"/>
-          </p:nvPr>
-        </p:nvSpPr>
-        <p:spPr/>
-        <p:txBody>
-          <a:bodyPr/>
-          <a:lstStyle/>
-          <a:p>
-            <a:r>
-              <a:rPr kumimoji="1" lang="en-US" altLang="zh-CN"/>
-              <a:t>Advantages of K-medoids Clustering</a:t>
-            </a:r>
-            <a:endParaRPr kumimoji="1" lang="zh-CN" altLang="en-US"/>
-          </a:p>
-        </p:txBody>
-      </p:sp>
-      <p:sp>
-        <p:nvSpPr>
-          <p:cNvPr id="3" name="内容占位符 2">
-            <a:extLst>
-              <a:ext uri="{FF2B5EF4-FFF2-40B4-BE49-F238E27FC236}">
-                <a16:creationId xmlns:a16="http://schemas.microsoft.com/office/drawing/2014/main" id="{E3F03171-BB68-E547-9612-DCE2656A5632}"/>
-              </a:ext>
-            </a:extLst>
-          </p:cNvPr>
-          <p:cNvSpPr>
-            <a:spLocks noGrp="1"/>
-          </p:cNvSpPr>
-          <p:nvPr>
-            <p:ph idx="1"/>
-          </p:nvPr>
-        </p:nvSpPr>
-        <p:spPr/>
-        <p:txBody>
-          <a:bodyPr/>
-          <a:lstStyle/>
-          <a:p>
-            <a:r>
-              <a:rPr kumimoji="1" lang="en-US" altLang="zh-CN"/>
-              <a:t>Distance only needed.</a:t>
-            </a:r>
-          </a:p>
-          <a:p>
-            <a:pPr lvl="1"/>
-            <a:r>
-              <a:rPr kumimoji="1" lang="en-US" altLang="zh-CN"/>
-              <a:t>Maybe we can define the distance between ODs with simulation results instead of using specific features.</a:t>
-            </a:r>
-          </a:p>
-          <a:p>
-            <a:r>
-              <a:rPr kumimoji="1" lang="en-US" altLang="zh-CN"/>
-              <a:t>Robust to noise.</a:t>
-            </a:r>
-          </a:p>
-          <a:p>
-            <a:r>
-              <a:rPr lang="en" altLang="zh-CN"/>
-              <a:t>Interpretability.</a:t>
-            </a:r>
-            <a:endParaRPr kumimoji="1" lang="zh-CN" altLang="en-US"/>
-          </a:p>
-        </p:txBody>
-      </p:sp>
-    </p:spTree>
-    <p:extLst>
-      <p:ext uri="{BB962C8B-B14F-4D97-AF65-F5344CB8AC3E}">
-        <p14:creationId xmlns:p14="http://schemas.microsoft.com/office/powerpoint/2010/main" val="1647285603"/>
-      </p:ext>
-    </p:extLst>
-  </p:cSld>
-  <p:clrMapOvr>
-    <a:masterClrMapping/>
-  </p:clrMapOvr>
-</p:sld>
-</file>
-
-<file path=ppt/slides/slide8.xml><?xml version="1.0" encoding="utf-8"?>
-<p:sld xmlns:a="http://schemas.openxmlformats.org/drawingml/2006/main" xmlns:r="http://schemas.openxmlformats.org/officeDocument/2006/relationships" xmlns:p="http://schemas.openxmlformats.org/presentationml/2006/main">
-  <p:cSld>
-    <p:spTree>
-      <p:nvGrpSpPr>
-        <p:cNvPr id="1" name=""/>
-        <p:cNvGrpSpPr/>
-        <p:nvPr/>
-      </p:nvGrpSpPr>
-      <p:grpSpPr>
-        <a:xfrm>
-          <a:off x="0" y="0"/>
-          <a:ext cx="0" cy="0"/>
-          <a:chOff x="0" y="0"/>
-          <a:chExt cx="0" cy="0"/>
-        </a:xfrm>
-      </p:grpSpPr>
-      <p:sp>
-        <p:nvSpPr>
-          <p:cNvPr id="2" name="标题 1">
-            <a:extLst>
-              <a:ext uri="{FF2B5EF4-FFF2-40B4-BE49-F238E27FC236}">
-                <a16:creationId xmlns:a16="http://schemas.microsoft.com/office/drawing/2014/main" id="{4F68B799-EDB2-C448-A23E-FADA3EFDA1BD}"/>
-              </a:ext>
-            </a:extLst>
-          </p:cNvPr>
-          <p:cNvSpPr>
-            <a:spLocks noGrp="1"/>
-          </p:cNvSpPr>
-          <p:nvPr>
-            <p:ph type="title"/>
-          </p:nvPr>
-        </p:nvSpPr>
-        <p:spPr/>
-        <p:txBody>
-          <a:bodyPr/>
-          <a:lstStyle/>
-          <a:p>
-            <a:r>
-              <a:rPr kumimoji="1" lang="en-US" altLang="zh-CN"/>
-              <a:t>Type of Clustering</a:t>
-            </a:r>
-            <a:endParaRPr kumimoji="1" lang="zh-CN" altLang="en-US"/>
-          </a:p>
-        </p:txBody>
-      </p:sp>
-      <p:sp>
-        <p:nvSpPr>
-          <p:cNvPr id="3" name="内容占位符 2">
-            <a:extLst>
-              <a:ext uri="{FF2B5EF4-FFF2-40B4-BE49-F238E27FC236}">
-                <a16:creationId xmlns:a16="http://schemas.microsoft.com/office/drawing/2014/main" id="{7C33B803-0AFD-3342-B327-6EBCAC92E413}"/>
-              </a:ext>
-            </a:extLst>
-          </p:cNvPr>
-          <p:cNvSpPr>
-            <a:spLocks noGrp="1"/>
-          </p:cNvSpPr>
-          <p:nvPr>
-            <p:ph idx="1"/>
-          </p:nvPr>
-        </p:nvSpPr>
-        <p:spPr/>
-        <p:txBody>
-          <a:bodyPr/>
-          <a:lstStyle/>
-          <a:p>
-            <a:r>
-              <a:rPr kumimoji="1" lang="en" altLang="zh-CN"/>
-              <a:t>Broadly speaking, clustering can be divided into two subgroups:</a:t>
-            </a:r>
-          </a:p>
-          <a:p>
-            <a:r>
-              <a:rPr kumimoji="1" lang="en" altLang="zh-CN"/>
-              <a:t>Hard Clustering: In hard clustering, each data point either belongs to a cluster completely or not.</a:t>
-            </a:r>
-          </a:p>
-          <a:p>
-            <a:r>
-              <a:rPr kumimoji="1" lang="en" altLang="zh-CN"/>
-              <a:t>Soft Clustering: In soft clustering, instead of putting each data point into a separate cluster, a probability or likelihood of that data point to be in those clusters is assigned.</a:t>
-            </a:r>
-            <a:endParaRPr kumimoji="1" lang="zh-CN" altLang="en-US"/>
-          </a:p>
-        </p:txBody>
-      </p:sp>
-      <p:pic>
-        <p:nvPicPr>
-          <p:cNvPr id="2050" name="Picture 2" descr="A Friendly Introduction to Text Clustering | by Korbinian Koch | Towards  Data Science">
-            <a:extLst>
-              <a:ext uri="{FF2B5EF4-FFF2-40B4-BE49-F238E27FC236}">
-                <a16:creationId xmlns:a16="http://schemas.microsoft.com/office/drawing/2014/main" id="{7B25D5F3-FACF-BD41-9A79-337063D9960F}"/>
-              </a:ext>
-            </a:extLst>
-          </p:cNvPr>
-          <p:cNvPicPr>
-            <a:picLocks noChangeAspect="1" noChangeArrowheads="1"/>
-          </p:cNvPicPr>
-          <p:nvPr/>
-        </p:nvPicPr>
-        <p:blipFill>
-          <a:blip r:embed="rId2">
-            <a:extLst>
-              <a:ext uri="{28A0092B-C50C-407E-A947-70E740481C1C}">
-                <a14:useLocalDpi xmlns:a14="http://schemas.microsoft.com/office/drawing/2010/main" val="0"/>
-              </a:ext>
-            </a:extLst>
-          </a:blip>
-          <a:srcRect/>
-          <a:stretch>
-            <a:fillRect/>
-          </a:stretch>
-        </p:blipFill>
-        <p:spPr bwMode="auto">
-          <a:xfrm>
-            <a:off x="4032250" y="4524375"/>
-            <a:ext cx="4127500" cy="1968500"/>
-          </a:xfrm>
-          <a:prstGeom prst="rect">
-            <a:avLst/>
-          </a:prstGeom>
-          <a:noFill/>
-          <a:extLst>
-            <a:ext uri="{909E8E84-426E-40DD-AFC4-6F175D3DCCD1}">
-              <a14:hiddenFill xmlns:a14="http://schemas.microsoft.com/office/drawing/2010/main">
-                <a:solidFill>
-                  <a:srgbClr val="FFFFFF"/>
-                </a:solidFill>
-              </a14:hiddenFill>
-            </a:ext>
-          </a:extLst>
-        </p:spPr>
-      </p:pic>
-    </p:spTree>
-    <p:extLst>
-      <p:ext uri="{BB962C8B-B14F-4D97-AF65-F5344CB8AC3E}">
-        <p14:creationId xmlns:p14="http://schemas.microsoft.com/office/powerpoint/2010/main" val="2964995721"/>
-      </p:ext>
-    </p:extLst>
-  </p:cSld>
-  <p:clrMapOvr>
-    <a:masterClrMapping/>
-  </p:clrMapOvr>
-</p:sld>
-</file>
-
 <file path=ppt/slides/slide9.xml><?xml version="1.0" encoding="utf-8"?>
 <p:sld xmlns:a="http://schemas.openxmlformats.org/drawingml/2006/main" xmlns:r="http://schemas.openxmlformats.org/officeDocument/2006/relationships" xmlns:p="http://schemas.openxmlformats.org/presentationml/2006/main">
   <p:cSld>
@@ -5141,7 +5468,7 @@
           <p:cNvPr id="2" name="标题 1">
             <a:extLst>
               <a:ext uri="{FF2B5EF4-FFF2-40B4-BE49-F238E27FC236}">
-                <a16:creationId xmlns:a16="http://schemas.microsoft.com/office/drawing/2014/main" id="{BA5FCD68-F2F5-F946-80E9-16E0E9FE18A1}"/>
+                <a16:creationId xmlns:a16="http://schemas.microsoft.com/office/drawing/2014/main" id="{358F7A91-4708-7945-8BA6-0A90BB32DA6A}"/>
               </a:ext>
             </a:extLst>
           </p:cNvPr>
@@ -5159,74 +5486,64 @@
           <a:p>
             <a:r>
               <a:rPr kumimoji="1" lang="en-US" altLang="zh-CN"/>
-              <a:t>Fuzzy Clustering</a:t>
+              <a:t>Advantages of K-medoids Clustering</a:t>
             </a:r>
             <a:endParaRPr kumimoji="1" lang="zh-CN" altLang="en-US"/>
           </a:p>
         </p:txBody>
       </p:sp>
-      <p:pic>
-        <p:nvPicPr>
-          <p:cNvPr id="6" name="内容占位符 5">
-            <a:extLst>
-              <a:ext uri="{FF2B5EF4-FFF2-40B4-BE49-F238E27FC236}">
-                <a16:creationId xmlns:a16="http://schemas.microsoft.com/office/drawing/2014/main" id="{E469642D-708D-7040-B61F-D88B66929F3C}"/>
-              </a:ext>
-            </a:extLst>
-          </p:cNvPr>
-          <p:cNvPicPr>
-            <a:picLocks noGrp="1" noChangeAspect="1"/>
-          </p:cNvPicPr>
-          <p:nvPr>
-            <p:ph sz="half" idx="1"/>
-          </p:nvPr>
-        </p:nvPicPr>
-        <p:blipFill>
-          <a:blip r:embed="rId2"/>
-          <a:stretch>
-            <a:fillRect/>
-          </a:stretch>
-        </p:blipFill>
-        <p:spPr>
-          <a:xfrm>
-            <a:off x="838200" y="2058194"/>
-            <a:ext cx="5181600" cy="3886200"/>
-          </a:xfrm>
-        </p:spPr>
-      </p:pic>
-      <p:pic>
-        <p:nvPicPr>
-          <p:cNvPr id="8" name="内容占位符 7">
-            <a:extLst>
-              <a:ext uri="{FF2B5EF4-FFF2-40B4-BE49-F238E27FC236}">
-                <a16:creationId xmlns:a16="http://schemas.microsoft.com/office/drawing/2014/main" id="{B9BA6A5A-74A6-234C-BBB0-5B61E2E4E210}"/>
-              </a:ext>
-            </a:extLst>
-          </p:cNvPr>
-          <p:cNvPicPr>
-            <a:picLocks noGrp="1" noChangeAspect="1"/>
-          </p:cNvPicPr>
-          <p:nvPr>
-            <p:ph sz="half" idx="2"/>
-          </p:nvPr>
-        </p:nvPicPr>
-        <p:blipFill>
-          <a:blip r:embed="rId3"/>
-          <a:stretch>
-            <a:fillRect/>
-          </a:stretch>
-        </p:blipFill>
-        <p:spPr>
-          <a:xfrm>
-            <a:off x="6172200" y="2058194"/>
-            <a:ext cx="5181600" cy="3886200"/>
-          </a:xfrm>
-        </p:spPr>
-      </p:pic>
+      <p:sp>
+        <p:nvSpPr>
+          <p:cNvPr id="3" name="内容占位符 2">
+            <a:extLst>
+              <a:ext uri="{FF2B5EF4-FFF2-40B4-BE49-F238E27FC236}">
+                <a16:creationId xmlns:a16="http://schemas.microsoft.com/office/drawing/2014/main" id="{E3F03171-BB68-E547-9612-DCE2656A5632}"/>
+              </a:ext>
+            </a:extLst>
+          </p:cNvPr>
+          <p:cNvSpPr>
+            <a:spLocks noGrp="1"/>
+          </p:cNvSpPr>
+          <p:nvPr>
+            <p:ph idx="1"/>
+          </p:nvPr>
+        </p:nvSpPr>
+        <p:spPr/>
+        <p:txBody>
+          <a:bodyPr/>
+          <a:lstStyle/>
+          <a:p>
+            <a:r>
+              <a:rPr kumimoji="1" lang="en-US" altLang="zh-CN"/>
+              <a:t>Distance only needed.</a:t>
+            </a:r>
+          </a:p>
+          <a:p>
+            <a:pPr lvl="1"/>
+            <a:r>
+              <a:rPr kumimoji="1" lang="en-US" altLang="zh-CN"/>
+              <a:t>Maybe we can define the distance between ODs with simulation results instead of using specific features.</a:t>
+            </a:r>
+          </a:p>
+          <a:p>
+            <a:r>
+              <a:rPr kumimoji="1" lang="en-US" altLang="zh-CN"/>
+              <a:t>Robust to noise.</a:t>
+            </a:r>
+          </a:p>
+          <a:p>
+            <a:r>
+              <a:rPr lang="en" altLang="zh-CN"/>
+              <a:t>Interpretability.</a:t>
+            </a:r>
+            <a:endParaRPr kumimoji="1" lang="zh-CN" altLang="en-US"/>
+          </a:p>
+        </p:txBody>
+      </p:sp>
     </p:spTree>
     <p:extLst>
       <p:ext uri="{BB962C8B-B14F-4D97-AF65-F5344CB8AC3E}">
-        <p14:creationId xmlns:p14="http://schemas.microsoft.com/office/powerpoint/2010/main" val="3274304036"/>
+        <p14:creationId xmlns:p14="http://schemas.microsoft.com/office/powerpoint/2010/main" val="1647285603"/>
       </p:ext>
     </p:extLst>
   </p:cSld>
